--- a/项目文档/文档与ppt/G10详细设计PPT.pptx
+++ b/项目文档/文档与ppt/G10详细设计PPT.pptx
@@ -5,34 +5,37 @@
     <p:sldMasterId id="2147483648" r:id="rId1"/>
   </p:sldMasterIdLst>
   <p:notesMasterIdLst>
-    <p:notesMasterId r:id="rId12"/>
+    <p:notesMasterId r:id="rId15"/>
   </p:notesMasterIdLst>
   <p:sldIdLst>
     <p:sldId id="258" r:id="rId2"/>
     <p:sldId id="450" r:id="rId3"/>
-    <p:sldId id="462" r:id="rId4"/>
-    <p:sldId id="464" r:id="rId5"/>
-    <p:sldId id="465" r:id="rId6"/>
-    <p:sldId id="469" r:id="rId7"/>
-    <p:sldId id="468" r:id="rId8"/>
-    <p:sldId id="467" r:id="rId9"/>
-    <p:sldId id="463" r:id="rId10"/>
-    <p:sldId id="320" r:id="rId11"/>
+    <p:sldId id="470" r:id="rId4"/>
+    <p:sldId id="471" r:id="rId5"/>
+    <p:sldId id="472" r:id="rId6"/>
+    <p:sldId id="462" r:id="rId7"/>
+    <p:sldId id="464" r:id="rId8"/>
+    <p:sldId id="465" r:id="rId9"/>
+    <p:sldId id="469" r:id="rId10"/>
+    <p:sldId id="468" r:id="rId11"/>
+    <p:sldId id="467" r:id="rId12"/>
+    <p:sldId id="463" r:id="rId13"/>
+    <p:sldId id="320" r:id="rId14"/>
   </p:sldIdLst>
   <p:sldSz cx="12192000" cy="6858000"/>
   <p:notesSz cx="6858000" cy="9144000"/>
   <p:embeddedFontLst>
     <p:embeddedFont>
       <p:font typeface="Calibri" panose="020F0502020204030204" pitchFamily="34" charset="0"/>
-      <p:regular r:id="rId13"/>
-      <p:bold r:id="rId14"/>
-      <p:italic r:id="rId15"/>
-      <p:boldItalic r:id="rId16"/>
+      <p:regular r:id="rId16"/>
+      <p:bold r:id="rId17"/>
+      <p:italic r:id="rId18"/>
+      <p:boldItalic r:id="rId19"/>
     </p:embeddedFont>
     <p:embeddedFont>
       <p:font typeface="等线" panose="02010600030101010101" pitchFamily="2" charset="-122"/>
-      <p:regular r:id="rId17"/>
-      <p:bold r:id="rId18"/>
+      <p:regular r:id="rId20"/>
+      <p:bold r:id="rId21"/>
     </p:embeddedFont>
   </p:embeddedFontLst>
   <p:defaultTextStyle>
@@ -647,7 +650,7 @@
           <a:p>
             <a:fld id="{74B31000-9408-426B-B873-D4C066E48AF8}" type="slidenum">
               <a:rPr lang="zh-CN" altLang="en-US" smtClean="0"/>
-              <a:t>3</a:t>
+              <a:t>6</a:t>
             </a:fld>
             <a:endParaRPr lang="zh-CN" altLang="en-US"/>
           </a:p>
@@ -731,7 +734,7 @@
           <a:p>
             <a:fld id="{74B31000-9408-426B-B873-D4C066E48AF8}" type="slidenum">
               <a:rPr lang="zh-CN" altLang="en-US" smtClean="0"/>
-              <a:t>4</a:t>
+              <a:t>7</a:t>
             </a:fld>
             <a:endParaRPr lang="zh-CN" altLang="en-US"/>
           </a:p>
@@ -815,7 +818,7 @@
           <a:p>
             <a:fld id="{74B31000-9408-426B-B873-D4C066E48AF8}" type="slidenum">
               <a:rPr lang="zh-CN" altLang="en-US" smtClean="0"/>
-              <a:t>5</a:t>
+              <a:t>8</a:t>
             </a:fld>
             <a:endParaRPr lang="zh-CN" altLang="en-US"/>
           </a:p>
@@ -899,7 +902,7 @@
           <a:p>
             <a:fld id="{74B31000-9408-426B-B873-D4C066E48AF8}" type="slidenum">
               <a:rPr lang="zh-CN" altLang="en-US" smtClean="0"/>
-              <a:t>6</a:t>
+              <a:t>9</a:t>
             </a:fld>
             <a:endParaRPr lang="zh-CN" altLang="en-US"/>
           </a:p>
@@ -983,7 +986,7 @@
           <a:p>
             <a:fld id="{74B31000-9408-426B-B873-D4C066E48AF8}" type="slidenum">
               <a:rPr lang="zh-CN" altLang="en-US" smtClean="0"/>
-              <a:t>7</a:t>
+              <a:t>10</a:t>
             </a:fld>
             <a:endParaRPr lang="zh-CN" altLang="en-US"/>
           </a:p>
@@ -1067,7 +1070,7 @@
           <a:p>
             <a:fld id="{74B31000-9408-426B-B873-D4C066E48AF8}" type="slidenum">
               <a:rPr lang="zh-CN" altLang="en-US" smtClean="0"/>
-              <a:t>8</a:t>
+              <a:t>11</a:t>
             </a:fld>
             <a:endParaRPr lang="zh-CN" altLang="en-US"/>
           </a:p>
@@ -1151,7 +1154,7 @@
           <a:p>
             <a:fld id="{74B31000-9408-426B-B873-D4C066E48AF8}" type="slidenum">
               <a:rPr lang="zh-CN" altLang="en-US" smtClean="0"/>
-              <a:t>9</a:t>
+              <a:t>12</a:t>
             </a:fld>
             <a:endParaRPr lang="zh-CN" altLang="en-US"/>
           </a:p>
@@ -2059,6 +2062,618 @@
       </p:grpSpPr>
       <p:sp>
         <p:nvSpPr>
+          <p:cNvPr id="3" name="文本框 2">
+            <a:extLst>
+              <a:ext uri="{FF2B5EF4-FFF2-40B4-BE49-F238E27FC236}">
+                <a16:creationId xmlns:a16="http://schemas.microsoft.com/office/drawing/2014/main" id="{454E3338-F167-0943-A899-70AA03E31C00}"/>
+              </a:ext>
+            </a:extLst>
+          </p:cNvPr>
+          <p:cNvSpPr txBox="1"/>
+          <p:nvPr/>
+        </p:nvSpPr>
+        <p:spPr>
+          <a:xfrm>
+            <a:off x="3297836" y="7600013"/>
+            <a:ext cx="184731" cy="369332"/>
+          </a:xfrm>
+          <a:prstGeom prst="rect">
+            <a:avLst/>
+          </a:prstGeom>
+          <a:noFill/>
+        </p:spPr>
+        <p:txBody>
+          <a:bodyPr wrap="none" rtlCol="0">
+            <a:spAutoFit/>
+          </a:bodyPr>
+          <a:lstStyle/>
+          <a:p>
+            <a:endParaRPr kumimoji="1" lang="zh-CN" altLang="en-US"/>
+          </a:p>
+        </p:txBody>
+      </p:sp>
+      <p:sp>
+        <p:nvSpPr>
+          <p:cNvPr id="4" name="矩形 3">
+            <a:extLst>
+              <a:ext uri="{FF2B5EF4-FFF2-40B4-BE49-F238E27FC236}">
+                <a16:creationId xmlns:a16="http://schemas.microsoft.com/office/drawing/2014/main" id="{ADEBF589-68CC-4857-B9BF-1CCF8D69A787}"/>
+              </a:ext>
+            </a:extLst>
+          </p:cNvPr>
+          <p:cNvSpPr/>
+          <p:nvPr/>
+        </p:nvSpPr>
+        <p:spPr>
+          <a:xfrm>
+            <a:off x="4545952" y="467484"/>
+            <a:ext cx="1415772" cy="461665"/>
+          </a:xfrm>
+          <a:prstGeom prst="rect">
+            <a:avLst/>
+          </a:prstGeom>
+        </p:spPr>
+        <p:txBody>
+          <a:bodyPr wrap="none">
+            <a:spAutoFit/>
+          </a:bodyPr>
+          <a:lstStyle/>
+          <a:p>
+            <a:r>
+              <a:rPr lang="zh-CN" altLang="en-US" sz="2400" b="1" dirty="0">
+                <a:solidFill>
+                  <a:schemeClr val="tx1">
+                    <a:lumMod val="75000"/>
+                    <a:lumOff val="25000"/>
+                  </a:schemeClr>
+                </a:solidFill>
+              </a:rPr>
+              <a:t>会议纪要</a:t>
+            </a:r>
+          </a:p>
+        </p:txBody>
+      </p:sp>
+      <p:pic>
+        <p:nvPicPr>
+          <p:cNvPr id="5" name="图片 4">
+            <a:extLst>
+              <a:ext uri="{FF2B5EF4-FFF2-40B4-BE49-F238E27FC236}">
+                <a16:creationId xmlns:a16="http://schemas.microsoft.com/office/drawing/2014/main" id="{F8EBFCCA-D646-46CC-BD1E-3040E4C13BF8}"/>
+              </a:ext>
+            </a:extLst>
+          </p:cNvPr>
+          <p:cNvPicPr>
+            <a:picLocks noChangeAspect="1"/>
+          </p:cNvPicPr>
+          <p:nvPr/>
+        </p:nvPicPr>
+        <p:blipFill rotWithShape="1">
+          <a:blip r:embed="rId3"/>
+          <a:srcRect r="1186" b="6471"/>
+          <a:stretch/>
+        </p:blipFill>
+        <p:spPr>
+          <a:xfrm>
+            <a:off x="587221" y="929150"/>
+            <a:ext cx="4849484" cy="5252990"/>
+          </a:xfrm>
+          <a:prstGeom prst="rect">
+            <a:avLst/>
+          </a:prstGeom>
+        </p:spPr>
+      </p:pic>
+      <p:pic>
+        <p:nvPicPr>
+          <p:cNvPr id="7" name="图片 6">
+            <a:extLst>
+              <a:ext uri="{FF2B5EF4-FFF2-40B4-BE49-F238E27FC236}">
+                <a16:creationId xmlns:a16="http://schemas.microsoft.com/office/drawing/2014/main" id="{1010752F-C213-423D-AC3B-D58C5AA167EA}"/>
+              </a:ext>
+            </a:extLst>
+          </p:cNvPr>
+          <p:cNvPicPr>
+            <a:picLocks noChangeAspect="1"/>
+          </p:cNvPicPr>
+          <p:nvPr/>
+        </p:nvPicPr>
+        <p:blipFill rotWithShape="1">
+          <a:blip r:embed="rId4"/>
+          <a:srcRect r="718" b="6471"/>
+          <a:stretch/>
+        </p:blipFill>
+        <p:spPr>
+          <a:xfrm>
+            <a:off x="5961725" y="929150"/>
+            <a:ext cx="5030954" cy="5252990"/>
+          </a:xfrm>
+          <a:prstGeom prst="rect">
+            <a:avLst/>
+          </a:prstGeom>
+        </p:spPr>
+      </p:pic>
+    </p:spTree>
+    <p:extLst>
+      <p:ext uri="{BB962C8B-B14F-4D97-AF65-F5344CB8AC3E}">
+        <p14:creationId xmlns:p14="http://schemas.microsoft.com/office/powerpoint/2010/main" val="2515086634"/>
+      </p:ext>
+    </p:extLst>
+  </p:cSld>
+  <p:clrMapOvr>
+    <a:masterClrMapping/>
+  </p:clrMapOvr>
+</p:sld>
+</file>
+
+<file path=ppt/slides/slide11.xml><?xml version="1.0" encoding="utf-8"?>
+<p:sld xmlns:a="http://schemas.openxmlformats.org/drawingml/2006/main" xmlns:r="http://schemas.openxmlformats.org/officeDocument/2006/relationships" xmlns:p="http://schemas.openxmlformats.org/presentationml/2006/main">
+  <p:cSld>
+    <p:spTree>
+      <p:nvGrpSpPr>
+        <p:cNvPr id="1" name=""/>
+        <p:cNvGrpSpPr/>
+        <p:nvPr/>
+      </p:nvGrpSpPr>
+      <p:grpSpPr>
+        <a:xfrm>
+          <a:off x="0" y="0"/>
+          <a:ext cx="0" cy="0"/>
+          <a:chOff x="0" y="0"/>
+          <a:chExt cx="0" cy="0"/>
+        </a:xfrm>
+      </p:grpSpPr>
+      <p:sp>
+        <p:nvSpPr>
+          <p:cNvPr id="3" name="文本框 2">
+            <a:extLst>
+              <a:ext uri="{FF2B5EF4-FFF2-40B4-BE49-F238E27FC236}">
+                <a16:creationId xmlns:a16="http://schemas.microsoft.com/office/drawing/2014/main" id="{454E3338-F167-0943-A899-70AA03E31C00}"/>
+              </a:ext>
+            </a:extLst>
+          </p:cNvPr>
+          <p:cNvSpPr txBox="1"/>
+          <p:nvPr/>
+        </p:nvSpPr>
+        <p:spPr>
+          <a:xfrm>
+            <a:off x="3297836" y="7600013"/>
+            <a:ext cx="184731" cy="369332"/>
+          </a:xfrm>
+          <a:prstGeom prst="rect">
+            <a:avLst/>
+          </a:prstGeom>
+          <a:noFill/>
+        </p:spPr>
+        <p:txBody>
+          <a:bodyPr wrap="none" rtlCol="0">
+            <a:spAutoFit/>
+          </a:bodyPr>
+          <a:lstStyle/>
+          <a:p>
+            <a:endParaRPr kumimoji="1" lang="zh-CN" altLang="en-US"/>
+          </a:p>
+        </p:txBody>
+      </p:sp>
+      <p:sp>
+        <p:nvSpPr>
+          <p:cNvPr id="4" name="矩形 3">
+            <a:extLst>
+              <a:ext uri="{FF2B5EF4-FFF2-40B4-BE49-F238E27FC236}">
+                <a16:creationId xmlns:a16="http://schemas.microsoft.com/office/drawing/2014/main" id="{1FD5ED6D-99C1-4E0A-821E-D598E2C51609}"/>
+              </a:ext>
+            </a:extLst>
+          </p:cNvPr>
+          <p:cNvSpPr/>
+          <p:nvPr/>
+        </p:nvSpPr>
+        <p:spPr>
+          <a:xfrm>
+            <a:off x="4649861" y="519439"/>
+            <a:ext cx="1415772" cy="461665"/>
+          </a:xfrm>
+          <a:prstGeom prst="rect">
+            <a:avLst/>
+          </a:prstGeom>
+        </p:spPr>
+        <p:txBody>
+          <a:bodyPr wrap="none">
+            <a:spAutoFit/>
+          </a:bodyPr>
+          <a:lstStyle/>
+          <a:p>
+            <a:r>
+              <a:rPr lang="zh-CN" altLang="en-US" sz="2400" b="1" dirty="0">
+                <a:solidFill>
+                  <a:schemeClr val="tx1">
+                    <a:lumMod val="75000"/>
+                    <a:lumOff val="25000"/>
+                  </a:schemeClr>
+                </a:solidFill>
+              </a:rPr>
+              <a:t>绩效评审</a:t>
+            </a:r>
+          </a:p>
+        </p:txBody>
+      </p:sp>
+      <p:pic>
+        <p:nvPicPr>
+          <p:cNvPr id="5" name="图片 4">
+            <a:extLst>
+              <a:ext uri="{FF2B5EF4-FFF2-40B4-BE49-F238E27FC236}">
+                <a16:creationId xmlns:a16="http://schemas.microsoft.com/office/drawing/2014/main" id="{227F8DF2-AF71-43E2-B016-C316E368CBA3}"/>
+              </a:ext>
+            </a:extLst>
+          </p:cNvPr>
+          <p:cNvPicPr>
+            <a:picLocks noChangeAspect="1"/>
+          </p:cNvPicPr>
+          <p:nvPr/>
+        </p:nvPicPr>
+        <p:blipFill>
+          <a:blip r:embed="rId3"/>
+          <a:stretch>
+            <a:fillRect/>
+          </a:stretch>
+        </p:blipFill>
+        <p:spPr>
+          <a:xfrm>
+            <a:off x="346469" y="2333754"/>
+            <a:ext cx="5555461" cy="1005927"/>
+          </a:xfrm>
+          <a:prstGeom prst="rect">
+            <a:avLst/>
+          </a:prstGeom>
+        </p:spPr>
+      </p:pic>
+      <p:pic>
+        <p:nvPicPr>
+          <p:cNvPr id="7" name="图片 6">
+            <a:extLst>
+              <a:ext uri="{FF2B5EF4-FFF2-40B4-BE49-F238E27FC236}">
+                <a16:creationId xmlns:a16="http://schemas.microsoft.com/office/drawing/2014/main" id="{6F4FBBDE-FC92-4957-92CD-536628BF4CEF}"/>
+              </a:ext>
+            </a:extLst>
+          </p:cNvPr>
+          <p:cNvPicPr>
+            <a:picLocks noChangeAspect="1"/>
+          </p:cNvPicPr>
+          <p:nvPr/>
+        </p:nvPicPr>
+        <p:blipFill>
+          <a:blip r:embed="rId4"/>
+          <a:stretch>
+            <a:fillRect/>
+          </a:stretch>
+        </p:blipFill>
+        <p:spPr>
+          <a:xfrm>
+            <a:off x="346469" y="3339681"/>
+            <a:ext cx="5563082" cy="937341"/>
+          </a:xfrm>
+          <a:prstGeom prst="rect">
+            <a:avLst/>
+          </a:prstGeom>
+        </p:spPr>
+      </p:pic>
+      <p:pic>
+        <p:nvPicPr>
+          <p:cNvPr id="9" name="图片 8">
+            <a:extLst>
+              <a:ext uri="{FF2B5EF4-FFF2-40B4-BE49-F238E27FC236}">
+                <a16:creationId xmlns:a16="http://schemas.microsoft.com/office/drawing/2014/main" id="{E413118E-1F37-4137-A9C7-8806143E6F33}"/>
+              </a:ext>
+            </a:extLst>
+          </p:cNvPr>
+          <p:cNvPicPr>
+            <a:picLocks noChangeAspect="1"/>
+          </p:cNvPicPr>
+          <p:nvPr/>
+        </p:nvPicPr>
+        <p:blipFill>
+          <a:blip r:embed="rId5"/>
+          <a:stretch>
+            <a:fillRect/>
+          </a:stretch>
+        </p:blipFill>
+        <p:spPr>
+          <a:xfrm>
+            <a:off x="6065633" y="1141120"/>
+            <a:ext cx="5814564" cy="5334462"/>
+          </a:xfrm>
+          <a:prstGeom prst="rect">
+            <a:avLst/>
+          </a:prstGeom>
+        </p:spPr>
+      </p:pic>
+    </p:spTree>
+    <p:extLst>
+      <p:ext uri="{BB962C8B-B14F-4D97-AF65-F5344CB8AC3E}">
+        <p14:creationId xmlns:p14="http://schemas.microsoft.com/office/powerpoint/2010/main" val="320097999"/>
+      </p:ext>
+    </p:extLst>
+  </p:cSld>
+  <p:clrMapOvr>
+    <a:masterClrMapping/>
+  </p:clrMapOvr>
+</p:sld>
+</file>
+
+<file path=ppt/slides/slide12.xml><?xml version="1.0" encoding="utf-8"?>
+<p:sld xmlns:a="http://schemas.openxmlformats.org/drawingml/2006/main" xmlns:r="http://schemas.openxmlformats.org/officeDocument/2006/relationships" xmlns:p="http://schemas.openxmlformats.org/presentationml/2006/main">
+  <p:cSld>
+    <p:spTree>
+      <p:nvGrpSpPr>
+        <p:cNvPr id="1" name=""/>
+        <p:cNvGrpSpPr/>
+        <p:nvPr/>
+      </p:nvGrpSpPr>
+      <p:grpSpPr>
+        <a:xfrm>
+          <a:off x="0" y="0"/>
+          <a:ext cx="0" cy="0"/>
+          <a:chOff x="0" y="0"/>
+          <a:chExt cx="0" cy="0"/>
+        </a:xfrm>
+      </p:grpSpPr>
+      <p:sp>
+        <p:nvSpPr>
+          <p:cNvPr id="20" name="矩形 19"/>
+          <p:cNvSpPr/>
+          <p:nvPr/>
+        </p:nvSpPr>
+        <p:spPr>
+          <a:xfrm>
+            <a:off x="4680228" y="879225"/>
+            <a:ext cx="1415772" cy="461665"/>
+          </a:xfrm>
+          <a:prstGeom prst="rect">
+            <a:avLst/>
+          </a:prstGeom>
+        </p:spPr>
+        <p:txBody>
+          <a:bodyPr wrap="none">
+            <a:spAutoFit/>
+          </a:bodyPr>
+          <a:lstStyle/>
+          <a:p>
+            <a:r>
+              <a:rPr lang="zh-CN" altLang="en-US" sz="2400" b="1" dirty="0">
+                <a:solidFill>
+                  <a:schemeClr val="tx1">
+                    <a:lumMod val="75000"/>
+                    <a:lumOff val="25000"/>
+                  </a:schemeClr>
+                </a:solidFill>
+              </a:rPr>
+              <a:t>参考文献</a:t>
+            </a:r>
+          </a:p>
+        </p:txBody>
+      </p:sp>
+      <p:sp>
+        <p:nvSpPr>
+          <p:cNvPr id="2" name="矩形 1">
+            <a:extLst>
+              <a:ext uri="{FF2B5EF4-FFF2-40B4-BE49-F238E27FC236}">
+                <a16:creationId xmlns:a16="http://schemas.microsoft.com/office/drawing/2014/main" id="{D8A01203-75A6-9A42-890B-B364B2A1AAE4}"/>
+              </a:ext>
+            </a:extLst>
+          </p:cNvPr>
+          <p:cNvSpPr/>
+          <p:nvPr/>
+        </p:nvSpPr>
+        <p:spPr>
+          <a:xfrm>
+            <a:off x="2490367" y="2505670"/>
+            <a:ext cx="9249104" cy="1477328"/>
+          </a:xfrm>
+          <a:prstGeom prst="rect">
+            <a:avLst/>
+          </a:prstGeom>
+        </p:spPr>
+        <p:txBody>
+          <a:bodyPr wrap="square">
+            <a:spAutoFit/>
+          </a:bodyPr>
+          <a:lstStyle/>
+          <a:p>
+            <a:pPr algn="just"/>
+            <a:r>
+              <a:rPr lang="en-US" altLang="zh-CN" sz="2400" kern="100" dirty="0">
+                <a:effectLst/>
+                <a:latin typeface="Calibri" panose="020F0502020204030204" pitchFamily="34" charset="0"/>
+                <a:ea typeface="宋体" panose="02010600030101010101" pitchFamily="2" charset="-122"/>
+                <a:cs typeface="Times New Roman" panose="02020603050405020304" pitchFamily="18" charset="0"/>
+              </a:rPr>
+              <a:t>[1] </a:t>
+            </a:r>
+            <a:r>
+              <a:rPr lang="zh-CN" altLang="zh-CN" sz="2400" kern="100" dirty="0">
+                <a:effectLst/>
+                <a:latin typeface="Calibri" panose="020F0502020204030204" pitchFamily="34" charset="0"/>
+                <a:ea typeface="宋体" panose="02010600030101010101" pitchFamily="2" charset="-122"/>
+                <a:cs typeface="Times New Roman" panose="02020603050405020304" pitchFamily="18" charset="0"/>
+              </a:rPr>
+              <a:t>张海藩</a:t>
+            </a:r>
+            <a:r>
+              <a:rPr lang="en-US" altLang="zh-CN" sz="2400" kern="100" dirty="0">
+                <a:effectLst/>
+                <a:latin typeface="Calibri" panose="020F0502020204030204" pitchFamily="34" charset="0"/>
+                <a:ea typeface="宋体" panose="02010600030101010101" pitchFamily="2" charset="-122"/>
+                <a:cs typeface="Times New Roman" panose="02020603050405020304" pitchFamily="18" charset="0"/>
+              </a:rPr>
+              <a:t>,</a:t>
+            </a:r>
+            <a:r>
+              <a:rPr lang="zh-CN" altLang="zh-CN" sz="2400" kern="100" dirty="0">
+                <a:effectLst/>
+                <a:latin typeface="Calibri" panose="020F0502020204030204" pitchFamily="34" charset="0"/>
+                <a:ea typeface="宋体" panose="02010600030101010101" pitchFamily="2" charset="-122"/>
+                <a:cs typeface="Times New Roman" panose="02020603050405020304" pitchFamily="18" charset="0"/>
+              </a:rPr>
+              <a:t>牟永敏</a:t>
+            </a:r>
+            <a:r>
+              <a:rPr lang="en-US" altLang="zh-CN" sz="2400" kern="100" dirty="0">
+                <a:effectLst/>
+                <a:latin typeface="Calibri" panose="020F0502020204030204" pitchFamily="34" charset="0"/>
+                <a:ea typeface="宋体" panose="02010600030101010101" pitchFamily="2" charset="-122"/>
+                <a:cs typeface="Times New Roman" panose="02020603050405020304" pitchFamily="18" charset="0"/>
+              </a:rPr>
+              <a:t>.</a:t>
+            </a:r>
+            <a:r>
+              <a:rPr lang="zh-CN" altLang="zh-CN" sz="2400" kern="100" dirty="0">
+                <a:effectLst/>
+                <a:latin typeface="Calibri" panose="020F0502020204030204" pitchFamily="34" charset="0"/>
+                <a:ea typeface="宋体" panose="02010600030101010101" pitchFamily="2" charset="-122"/>
+                <a:cs typeface="Times New Roman" panose="02020603050405020304" pitchFamily="18" charset="0"/>
+              </a:rPr>
+              <a:t>软件工程导论（第六版） </a:t>
+            </a:r>
+          </a:p>
+          <a:p>
+            <a:pPr algn="just"/>
+            <a:r>
+              <a:rPr lang="en-US" altLang="zh-CN" sz="2400" kern="100" dirty="0">
+                <a:effectLst/>
+                <a:latin typeface="Calibri" panose="020F0502020204030204" pitchFamily="34" charset="0"/>
+                <a:ea typeface="宋体" panose="02010600030101010101" pitchFamily="2" charset="-122"/>
+                <a:cs typeface="Times New Roman" panose="02020603050405020304" pitchFamily="18" charset="0"/>
+              </a:rPr>
+              <a:t>[2] </a:t>
+            </a:r>
+            <a:endParaRPr lang="en-US" altLang="zh-CN" sz="2400" kern="100" dirty="0">
+              <a:latin typeface="Calibri" panose="020F0502020204030204" pitchFamily="34" charset="0"/>
+              <a:ea typeface="宋体" panose="02010600030101010101" pitchFamily="2" charset="-122"/>
+              <a:cs typeface="Times New Roman" panose="02020603050405020304" pitchFamily="18" charset="0"/>
+            </a:endParaRPr>
+          </a:p>
+          <a:p>
+            <a:pPr algn="just"/>
+            <a:r>
+              <a:rPr lang="en-US" altLang="zh-CN" sz="2400" kern="100" dirty="0">
+                <a:effectLst/>
+                <a:latin typeface="Calibri" panose="020F0502020204030204" pitchFamily="34" charset="0"/>
+                <a:ea typeface="宋体" panose="02010600030101010101" pitchFamily="2" charset="-122"/>
+                <a:cs typeface="Times New Roman" panose="02020603050405020304" pitchFamily="18" charset="0"/>
+              </a:rPr>
+              <a:t>[</a:t>
+            </a:r>
+            <a:r>
+              <a:rPr lang="en-US" altLang="zh-CN" sz="2400" kern="100" dirty="0">
+                <a:latin typeface="Calibri" panose="020F0502020204030204" pitchFamily="34" charset="0"/>
+                <a:ea typeface="宋体" panose="02010600030101010101" pitchFamily="2" charset="-122"/>
+                <a:cs typeface="Times New Roman" panose="02020603050405020304" pitchFamily="18" charset="0"/>
+              </a:rPr>
+              <a:t>3</a:t>
+            </a:r>
+            <a:r>
+              <a:rPr lang="en-US" altLang="zh-CN" sz="2400" kern="100" dirty="0">
+                <a:effectLst/>
+                <a:latin typeface="Calibri" panose="020F0502020204030204" pitchFamily="34" charset="0"/>
+                <a:ea typeface="宋体" panose="02010600030101010101" pitchFamily="2" charset="-122"/>
+                <a:cs typeface="Times New Roman" panose="02020603050405020304" pitchFamily="18" charset="0"/>
+              </a:rPr>
+              <a:t>] </a:t>
+            </a:r>
+            <a:r>
+              <a:rPr lang="zh-CN" altLang="zh-CN" sz="2400" kern="100" dirty="0">
+                <a:effectLst/>
+                <a:latin typeface="Calibri" panose="020F0502020204030204" pitchFamily="34" charset="0"/>
+                <a:ea typeface="宋体" panose="02010600030101010101" pitchFamily="2" charset="-122"/>
+                <a:cs typeface="Times New Roman" panose="02020603050405020304" pitchFamily="18" charset="0"/>
+              </a:rPr>
+              <a:t>前期</a:t>
+            </a:r>
+            <a:r>
+              <a:rPr lang="zh-CN" altLang="en-US" sz="2400" kern="100" dirty="0">
+                <a:effectLst/>
+                <a:latin typeface="Calibri" panose="020F0502020204030204" pitchFamily="34" charset="0"/>
+                <a:ea typeface="宋体" panose="02010600030101010101" pitchFamily="2" charset="-122"/>
+                <a:cs typeface="Times New Roman" panose="02020603050405020304" pitchFamily="18" charset="0"/>
+              </a:rPr>
+              <a:t>本组</a:t>
+            </a:r>
+            <a:r>
+              <a:rPr lang="zh-CN" altLang="zh-CN" sz="2400" kern="100" dirty="0">
+                <a:effectLst/>
+                <a:latin typeface="Calibri" panose="020F0502020204030204" pitchFamily="34" charset="0"/>
+                <a:ea typeface="宋体" panose="02010600030101010101" pitchFamily="2" charset="-122"/>
+                <a:cs typeface="Times New Roman" panose="02020603050405020304" pitchFamily="18" charset="0"/>
+              </a:rPr>
+              <a:t>开发文档</a:t>
+            </a:r>
+          </a:p>
+          <a:p>
+            <a:endParaRPr lang="en-US" altLang="zh-CN" dirty="0"/>
+          </a:p>
+        </p:txBody>
+      </p:sp>
+      <p:sp>
+        <p:nvSpPr>
+          <p:cNvPr id="3" name="文本框 2">
+            <a:extLst>
+              <a:ext uri="{FF2B5EF4-FFF2-40B4-BE49-F238E27FC236}">
+                <a16:creationId xmlns:a16="http://schemas.microsoft.com/office/drawing/2014/main" id="{454E3338-F167-0943-A899-70AA03E31C00}"/>
+              </a:ext>
+            </a:extLst>
+          </p:cNvPr>
+          <p:cNvSpPr txBox="1"/>
+          <p:nvPr/>
+        </p:nvSpPr>
+        <p:spPr>
+          <a:xfrm>
+            <a:off x="3297836" y="7600013"/>
+            <a:ext cx="184731" cy="369332"/>
+          </a:xfrm>
+          <a:prstGeom prst="rect">
+            <a:avLst/>
+          </a:prstGeom>
+          <a:noFill/>
+        </p:spPr>
+        <p:txBody>
+          <a:bodyPr wrap="none" rtlCol="0">
+            <a:spAutoFit/>
+          </a:bodyPr>
+          <a:lstStyle/>
+          <a:p>
+            <a:endParaRPr kumimoji="1" lang="zh-CN" altLang="en-US"/>
+          </a:p>
+        </p:txBody>
+      </p:sp>
+    </p:spTree>
+    <p:extLst>
+      <p:ext uri="{BB962C8B-B14F-4D97-AF65-F5344CB8AC3E}">
+        <p14:creationId xmlns:p14="http://schemas.microsoft.com/office/powerpoint/2010/main" val="526268763"/>
+      </p:ext>
+    </p:extLst>
+  </p:cSld>
+  <p:clrMapOvr>
+    <a:masterClrMapping/>
+  </p:clrMapOvr>
+</p:sld>
+</file>
+
+<file path=ppt/slides/slide13.xml><?xml version="1.0" encoding="utf-8"?>
+<p:sld xmlns:a="http://schemas.openxmlformats.org/drawingml/2006/main" xmlns:r="http://schemas.openxmlformats.org/officeDocument/2006/relationships" xmlns:p="http://schemas.openxmlformats.org/presentationml/2006/main">
+  <p:cSld>
+    <p:spTree>
+      <p:nvGrpSpPr>
+        <p:cNvPr id="1" name=""/>
+        <p:cNvGrpSpPr/>
+        <p:nvPr/>
+      </p:nvGrpSpPr>
+      <p:grpSpPr>
+        <a:xfrm>
+          <a:off x="0" y="0"/>
+          <a:ext cx="0" cy="0"/>
+          <a:chOff x="0" y="0"/>
+          <a:chExt cx="0" cy="0"/>
+        </a:xfrm>
+      </p:grpSpPr>
+      <p:sp>
+        <p:nvSpPr>
           <p:cNvPr id="2" name="椭圆 1"/>
           <p:cNvSpPr/>
           <p:nvPr/>
@@ -2711,7 +3326,7 @@
         </p:nvSpPr>
         <p:spPr>
           <a:xfrm>
-            <a:off x="2581223" y="-1"/>
+            <a:off x="2593702" y="156"/>
             <a:ext cx="6871482" cy="6858000"/>
           </a:xfrm>
           <a:custGeom>
@@ -2855,7 +3470,7 @@
               <a:tabLst/>
               <a:defRPr/>
             </a:pPr>
-            <a:endParaRPr kumimoji="0" lang="zh-CN" altLang="en-US" sz="1800" b="0" i="0" u="none" strike="noStrike" kern="1200" cap="none" spc="0" normalizeH="0" baseline="0" noProof="0">
+            <a:endParaRPr kumimoji="0" lang="zh-CN" altLang="en-US" sz="1800" b="0" i="0" u="none" strike="noStrike" kern="1200" cap="none" spc="0" normalizeH="0" baseline="0" noProof="0" dirty="0">
               <a:ln>
                 <a:noFill/>
               </a:ln>
@@ -3138,6 +3753,49 @@
           </a:p>
         </p:txBody>
       </p:sp>
+      <p:sp>
+        <p:nvSpPr>
+          <p:cNvPr id="2" name="文本框 1">
+            <a:extLst>
+              <a:ext uri="{FF2B5EF4-FFF2-40B4-BE49-F238E27FC236}">
+                <a16:creationId xmlns:a16="http://schemas.microsoft.com/office/drawing/2014/main" id="{19169A10-8D72-4C7C-8123-DE5455994611}"/>
+              </a:ext>
+            </a:extLst>
+          </p:cNvPr>
+          <p:cNvSpPr txBox="1"/>
+          <p:nvPr/>
+        </p:nvSpPr>
+        <p:spPr>
+          <a:xfrm>
+            <a:off x="5593210" y="914907"/>
+            <a:ext cx="2273379" cy="400110"/>
+          </a:xfrm>
+          <a:prstGeom prst="rect">
+            <a:avLst/>
+          </a:prstGeom>
+          <a:noFill/>
+        </p:spPr>
+        <p:txBody>
+          <a:bodyPr wrap="square" rtlCol="0">
+            <a:spAutoFit/>
+          </a:bodyPr>
+          <a:lstStyle/>
+          <a:p>
+            <a:pPr marL="342900" indent="-342900">
+              <a:buFont typeface="Arial" panose="020B0604020202020204" pitchFamily="34" charset="0"/>
+              <a:buChar char="•"/>
+            </a:pPr>
+            <a:r>
+              <a:rPr kumimoji="1" lang="zh-CN" altLang="en-US" sz="2000" b="1" dirty="0">
+                <a:solidFill>
+                  <a:schemeClr val="bg1"/>
+                </a:solidFill>
+              </a:rPr>
+              <a:t>层次图等</a:t>
+            </a:r>
+          </a:p>
+        </p:txBody>
+      </p:sp>
     </p:spTree>
     <p:extLst>
       <p:ext uri="{BB962C8B-B14F-4D97-AF65-F5344CB8AC3E}">
@@ -3154,6 +3812,20 @@
 <file path=ppt/slides/slide3.xml><?xml version="1.0" encoding="utf-8"?>
 <p:sld xmlns:a="http://schemas.openxmlformats.org/drawingml/2006/main" xmlns:r="http://schemas.openxmlformats.org/officeDocument/2006/relationships" xmlns:p="http://schemas.openxmlformats.org/presentationml/2006/main">
   <p:cSld>
+    <p:bg>
+      <p:bgPr>
+        <a:blipFill dpi="0" rotWithShape="1">
+          <a:blip r:embed="rId3">
+            <a:lum/>
+          </a:blip>
+          <a:srcRect/>
+          <a:stretch>
+            <a:fillRect t="-6000" b="-6000"/>
+          </a:stretch>
+        </a:blipFill>
+        <a:effectLst/>
+      </p:bgPr>
+    </p:bg>
     <p:spTree>
       <p:nvGrpSpPr>
         <p:cNvPr id="1" name=""/>
@@ -3170,107 +3842,46 @@
       </p:grpSpPr>
       <p:sp>
         <p:nvSpPr>
-          <p:cNvPr id="20" name="矩形 19"/>
-          <p:cNvSpPr/>
-          <p:nvPr/>
-        </p:nvSpPr>
-        <p:spPr>
-          <a:xfrm>
-            <a:off x="4849562" y="550858"/>
-            <a:ext cx="1723549" cy="461665"/>
-          </a:xfrm>
-          <a:prstGeom prst="rect">
-            <a:avLst/>
-          </a:prstGeom>
-        </p:spPr>
-        <p:txBody>
-          <a:bodyPr wrap="none">
+          <p:cNvPr id="2" name="文本框 1">
+            <a:extLst>
+              <a:ext uri="{FF2B5EF4-FFF2-40B4-BE49-F238E27FC236}">
+                <a16:creationId xmlns:a16="http://schemas.microsoft.com/office/drawing/2014/main" id="{25F0C62C-1E30-4C89-B3D8-63122641434E}"/>
+              </a:ext>
+            </a:extLst>
+          </p:cNvPr>
+          <p:cNvSpPr txBox="1"/>
+          <p:nvPr/>
+        </p:nvSpPr>
+        <p:spPr>
+          <a:xfrm>
+            <a:off x="5171660" y="735496"/>
+            <a:ext cx="2723322" cy="400110"/>
+          </a:xfrm>
+          <a:prstGeom prst="rect">
+            <a:avLst/>
+          </a:prstGeom>
+          <a:noFill/>
+        </p:spPr>
+        <p:txBody>
+          <a:bodyPr wrap="square" rtlCol="0">
             <a:spAutoFit/>
           </a:bodyPr>
           <a:lstStyle/>
           <a:p>
             <a:r>
-              <a:rPr lang="zh-CN" altLang="en-US" sz="2400" b="1" dirty="0">
-                <a:solidFill>
-                  <a:schemeClr val="tx1">
-                    <a:lumMod val="75000"/>
-                    <a:lumOff val="25000"/>
-                  </a:schemeClr>
-                </a:solidFill>
-              </a:rPr>
-              <a:t>数据库设计</a:t>
+              <a:rPr kumimoji="1" lang="zh-CN" altLang="en-US" sz="2000" dirty="0"/>
+              <a:t>层次图</a:t>
             </a:r>
-          </a:p>
-        </p:txBody>
-      </p:sp>
-      <p:sp>
-        <p:nvSpPr>
-          <p:cNvPr id="3" name="文本框 2">
-            <a:extLst>
-              <a:ext uri="{FF2B5EF4-FFF2-40B4-BE49-F238E27FC236}">
-                <a16:creationId xmlns:a16="http://schemas.microsoft.com/office/drawing/2014/main" id="{454E3338-F167-0943-A899-70AA03E31C00}"/>
-              </a:ext>
-            </a:extLst>
-          </p:cNvPr>
-          <p:cNvSpPr txBox="1"/>
-          <p:nvPr/>
-        </p:nvSpPr>
-        <p:spPr>
-          <a:xfrm>
-            <a:off x="3297836" y="7600013"/>
-            <a:ext cx="184731" cy="369332"/>
-          </a:xfrm>
-          <a:prstGeom prst="rect">
-            <a:avLst/>
-          </a:prstGeom>
-          <a:noFill/>
-        </p:spPr>
-        <p:txBody>
-          <a:bodyPr wrap="none" rtlCol="0">
-            <a:spAutoFit/>
-          </a:bodyPr>
-          <a:lstStyle/>
-          <a:p>
-            <a:endParaRPr kumimoji="1" lang="zh-CN" altLang="en-US"/>
+            <a:endParaRPr lang="zh-CN" altLang="en-US" dirty="0"/>
           </a:p>
         </p:txBody>
       </p:sp>
       <p:pic>
         <p:nvPicPr>
-          <p:cNvPr id="5" name="图片 4">
-            <a:extLst>
-              <a:ext uri="{FF2B5EF4-FFF2-40B4-BE49-F238E27FC236}">
-                <a16:creationId xmlns:a16="http://schemas.microsoft.com/office/drawing/2014/main" id="{0A4B70A2-D5F9-45AB-8E4A-9BBF3CBC4B0D}"/>
-              </a:ext>
-            </a:extLst>
-          </p:cNvPr>
-          <p:cNvPicPr>
-            <a:picLocks noChangeAspect="1"/>
-          </p:cNvPicPr>
-          <p:nvPr/>
-        </p:nvPicPr>
-        <p:blipFill>
-          <a:blip r:embed="rId3"/>
-          <a:stretch>
-            <a:fillRect/>
-          </a:stretch>
-        </p:blipFill>
-        <p:spPr>
-          <a:xfrm>
-            <a:off x="2275950" y="1263552"/>
-            <a:ext cx="7216765" cy="2248095"/>
-          </a:xfrm>
-          <a:prstGeom prst="rect">
-            <a:avLst/>
-          </a:prstGeom>
-        </p:spPr>
-      </p:pic>
-      <p:pic>
-        <p:nvPicPr>
-          <p:cNvPr id="7" name="图片 6">
-            <a:extLst>
-              <a:ext uri="{FF2B5EF4-FFF2-40B4-BE49-F238E27FC236}">
-                <a16:creationId xmlns:a16="http://schemas.microsoft.com/office/drawing/2014/main" id="{CA817423-B1C9-4430-9704-FC51B566EF83}"/>
+          <p:cNvPr id="3" name="图片 2">
+            <a:extLst>
+              <a:ext uri="{FF2B5EF4-FFF2-40B4-BE49-F238E27FC236}">
+                <a16:creationId xmlns:a16="http://schemas.microsoft.com/office/drawing/2014/main" id="{15B7F0EA-8858-4518-80BB-76FD96634BA9}"/>
               </a:ext>
             </a:extLst>
           </p:cNvPr>
@@ -3287,8 +3898,8 @@
         </p:blipFill>
         <p:spPr>
           <a:xfrm>
-            <a:off x="2222605" y="3772657"/>
-            <a:ext cx="7270110" cy="2072820"/>
+            <a:off x="495213" y="1421296"/>
+            <a:ext cx="11284755" cy="4045226"/>
           </a:xfrm>
           <a:prstGeom prst="rect">
             <a:avLst/>
@@ -3298,12 +3909,12 @@
     </p:spTree>
     <p:extLst>
       <p:ext uri="{BB962C8B-B14F-4D97-AF65-F5344CB8AC3E}">
-        <p14:creationId xmlns:p14="http://schemas.microsoft.com/office/powerpoint/2010/main" val="3921773112"/>
+        <p14:creationId xmlns:p14="http://schemas.microsoft.com/office/powerpoint/2010/main" val="1615475818"/>
       </p:ext>
     </p:extLst>
   </p:cSld>
   <p:clrMapOvr>
-    <a:masterClrMapping/>
+    <a:overrideClrMapping bg1="lt1" tx1="dk1" bg2="lt2" tx2="dk2" accent1="accent1" accent2="accent2" accent3="accent3" accent4="accent4" accent5="accent5" accent6="accent6" hlink="hlink" folHlink="folHlink"/>
   </p:clrMapOvr>
 </p:sld>
 </file>
@@ -3327,10 +3938,10 @@
       </p:grpSpPr>
       <p:sp>
         <p:nvSpPr>
-          <p:cNvPr id="3" name="文本框 2">
-            <a:extLst>
-              <a:ext uri="{FF2B5EF4-FFF2-40B4-BE49-F238E27FC236}">
-                <a16:creationId xmlns:a16="http://schemas.microsoft.com/office/drawing/2014/main" id="{454E3338-F167-0943-A899-70AA03E31C00}"/>
+          <p:cNvPr id="2" name="文本框 1">
+            <a:extLst>
+              <a:ext uri="{FF2B5EF4-FFF2-40B4-BE49-F238E27FC236}">
+                <a16:creationId xmlns:a16="http://schemas.microsoft.com/office/drawing/2014/main" id="{C0BF88A4-5E11-49FB-A1E9-73EF7B1460C8}"/>
               </a:ext>
             </a:extLst>
           </p:cNvPr>
@@ -3339,8 +3950,8 @@
         </p:nvSpPr>
         <p:spPr>
           <a:xfrm>
-            <a:off x="3297836" y="7600013"/>
-            <a:ext cx="184731" cy="369332"/>
+            <a:off x="4383157" y="576470"/>
+            <a:ext cx="3220278" cy="369332"/>
           </a:xfrm>
           <a:prstGeom prst="rect">
             <a:avLst/>
@@ -3348,31 +3959,223 @@
           <a:noFill/>
         </p:spPr>
         <p:txBody>
-          <a:bodyPr wrap="none" rtlCol="0">
+          <a:bodyPr wrap="square" rtlCol="0">
             <a:spAutoFit/>
           </a:bodyPr>
           <a:lstStyle/>
           <a:p>
-            <a:endParaRPr kumimoji="1" lang="zh-CN" altLang="en-US"/>
-          </a:p>
-        </p:txBody>
-      </p:sp>
-      <p:sp>
-        <p:nvSpPr>
-          <p:cNvPr id="5" name="矩形 4">
-            <a:extLst>
-              <a:ext uri="{FF2B5EF4-FFF2-40B4-BE49-F238E27FC236}">
-                <a16:creationId xmlns:a16="http://schemas.microsoft.com/office/drawing/2014/main" id="{8E26A622-EC09-4F82-9ADA-8367AB14CE96}"/>
-              </a:ext>
-            </a:extLst>
-          </p:cNvPr>
+            <a:r>
+              <a:rPr lang="en-US" altLang="zh-CN" dirty="0"/>
+              <a:t>IPO</a:t>
+            </a:r>
+            <a:r>
+              <a:rPr lang="zh-CN" altLang="en-US" dirty="0"/>
+              <a:t>图（部分）</a:t>
+            </a:r>
+          </a:p>
+        </p:txBody>
+      </p:sp>
+      <p:pic>
+        <p:nvPicPr>
+          <p:cNvPr id="5" name="图片 4">
+            <a:extLst>
+              <a:ext uri="{FF2B5EF4-FFF2-40B4-BE49-F238E27FC236}">
+                <a16:creationId xmlns:a16="http://schemas.microsoft.com/office/drawing/2014/main" id="{7BB793FD-A8AA-42FF-952A-226ECD1C4CB9}"/>
+              </a:ext>
+            </a:extLst>
+          </p:cNvPr>
+          <p:cNvPicPr>
+            <a:picLocks noChangeAspect="1"/>
+          </p:cNvPicPr>
+          <p:nvPr/>
+        </p:nvPicPr>
+        <p:blipFill>
+          <a:blip r:embed="rId2"/>
+          <a:stretch>
+            <a:fillRect/>
+          </a:stretch>
+        </p:blipFill>
+        <p:spPr>
+          <a:xfrm>
+            <a:off x="561520" y="1199413"/>
+            <a:ext cx="4747671" cy="5532599"/>
+          </a:xfrm>
+          <a:prstGeom prst="rect">
+            <a:avLst/>
+          </a:prstGeom>
+        </p:spPr>
+      </p:pic>
+      <p:pic>
+        <p:nvPicPr>
+          <p:cNvPr id="7" name="图片 6">
+            <a:extLst>
+              <a:ext uri="{FF2B5EF4-FFF2-40B4-BE49-F238E27FC236}">
+                <a16:creationId xmlns:a16="http://schemas.microsoft.com/office/drawing/2014/main" id="{357AD591-4BF0-4151-9CAB-4991E00608E6}"/>
+              </a:ext>
+            </a:extLst>
+          </p:cNvPr>
+          <p:cNvPicPr>
+            <a:picLocks noChangeAspect="1"/>
+          </p:cNvPicPr>
+          <p:nvPr/>
+        </p:nvPicPr>
+        <p:blipFill>
+          <a:blip r:embed="rId3"/>
+          <a:stretch>
+            <a:fillRect/>
+          </a:stretch>
+        </p:blipFill>
+        <p:spPr>
+          <a:xfrm>
+            <a:off x="6566248" y="1199413"/>
+            <a:ext cx="4724809" cy="5753599"/>
+          </a:xfrm>
+          <a:prstGeom prst="rect">
+            <a:avLst/>
+          </a:prstGeom>
+        </p:spPr>
+      </p:pic>
+    </p:spTree>
+    <p:extLst>
+      <p:ext uri="{BB962C8B-B14F-4D97-AF65-F5344CB8AC3E}">
+        <p14:creationId xmlns:p14="http://schemas.microsoft.com/office/powerpoint/2010/main" val="3965506260"/>
+      </p:ext>
+    </p:extLst>
+  </p:cSld>
+  <p:clrMapOvr>
+    <a:masterClrMapping/>
+  </p:clrMapOvr>
+</p:sld>
+</file>
+
+<file path=ppt/slides/slide5.xml><?xml version="1.0" encoding="utf-8"?>
+<p:sld xmlns:a="http://schemas.openxmlformats.org/drawingml/2006/main" xmlns:r="http://schemas.openxmlformats.org/officeDocument/2006/relationships" xmlns:p="http://schemas.openxmlformats.org/presentationml/2006/main">
+  <p:cSld>
+    <p:spTree>
+      <p:nvGrpSpPr>
+        <p:cNvPr id="1" name=""/>
+        <p:cNvGrpSpPr/>
+        <p:nvPr/>
+      </p:nvGrpSpPr>
+      <p:grpSpPr>
+        <a:xfrm>
+          <a:off x="0" y="0"/>
+          <a:ext cx="0" cy="0"/>
+          <a:chOff x="0" y="0"/>
+          <a:chExt cx="0" cy="0"/>
+        </a:xfrm>
+      </p:grpSpPr>
+      <p:sp>
+        <p:nvSpPr>
+          <p:cNvPr id="2" name="文本框 1">
+            <a:extLst>
+              <a:ext uri="{FF2B5EF4-FFF2-40B4-BE49-F238E27FC236}">
+                <a16:creationId xmlns:a16="http://schemas.microsoft.com/office/drawing/2014/main" id="{F00358F2-461D-461F-AE5D-D9700CE83606}"/>
+              </a:ext>
+            </a:extLst>
+          </p:cNvPr>
+          <p:cNvSpPr txBox="1"/>
+          <p:nvPr/>
+        </p:nvSpPr>
+        <p:spPr>
+          <a:xfrm>
+            <a:off x="3339548" y="745435"/>
+            <a:ext cx="5098774" cy="369332"/>
+          </a:xfrm>
+          <a:prstGeom prst="rect">
+            <a:avLst/>
+          </a:prstGeom>
+          <a:noFill/>
+        </p:spPr>
+        <p:txBody>
+          <a:bodyPr wrap="square" rtlCol="0">
+            <a:spAutoFit/>
+          </a:bodyPr>
+          <a:lstStyle/>
+          <a:p>
+            <a:r>
+              <a:rPr lang="zh-CN" altLang="en-US" dirty="0"/>
+              <a:t>业务流程图</a:t>
+            </a:r>
+          </a:p>
+        </p:txBody>
+      </p:sp>
+      <p:pic>
+        <p:nvPicPr>
+          <p:cNvPr id="6" name="图片 5">
+            <a:extLst>
+              <a:ext uri="{FF2B5EF4-FFF2-40B4-BE49-F238E27FC236}">
+                <a16:creationId xmlns:a16="http://schemas.microsoft.com/office/drawing/2014/main" id="{1D35DA17-C6BD-4A4F-92CD-24210B6288CB}"/>
+              </a:ext>
+            </a:extLst>
+          </p:cNvPr>
+          <p:cNvPicPr>
+            <a:picLocks noChangeAspect="1"/>
+          </p:cNvPicPr>
+          <p:nvPr/>
+        </p:nvPicPr>
+        <p:blipFill>
+          <a:blip r:embed="rId2">
+            <a:extLst>
+              <a:ext uri="{28A0092B-C50C-407E-A947-70E740481C1C}">
+                <a14:useLocalDpi xmlns:a14="http://schemas.microsoft.com/office/drawing/2010/main" val="0"/>
+              </a:ext>
+            </a:extLst>
+          </a:blip>
+          <a:stretch>
+            <a:fillRect/>
+          </a:stretch>
+        </p:blipFill>
+        <p:spPr>
+          <a:xfrm>
+            <a:off x="1500810" y="1114767"/>
+            <a:ext cx="8776251" cy="5502795"/>
+          </a:xfrm>
+          <a:prstGeom prst="rect">
+            <a:avLst/>
+          </a:prstGeom>
+        </p:spPr>
+      </p:pic>
+    </p:spTree>
+    <p:extLst>
+      <p:ext uri="{BB962C8B-B14F-4D97-AF65-F5344CB8AC3E}">
+        <p14:creationId xmlns:p14="http://schemas.microsoft.com/office/powerpoint/2010/main" val="2511302062"/>
+      </p:ext>
+    </p:extLst>
+  </p:cSld>
+  <p:clrMapOvr>
+    <a:masterClrMapping/>
+  </p:clrMapOvr>
+</p:sld>
+</file>
+
+<file path=ppt/slides/slide6.xml><?xml version="1.0" encoding="utf-8"?>
+<p:sld xmlns:a="http://schemas.openxmlformats.org/drawingml/2006/main" xmlns:r="http://schemas.openxmlformats.org/officeDocument/2006/relationships" xmlns:p="http://schemas.openxmlformats.org/presentationml/2006/main">
+  <p:cSld>
+    <p:spTree>
+      <p:nvGrpSpPr>
+        <p:cNvPr id="1" name=""/>
+        <p:cNvGrpSpPr/>
+        <p:nvPr/>
+      </p:nvGrpSpPr>
+      <p:grpSpPr>
+        <a:xfrm>
+          <a:off x="0" y="0"/>
+          <a:ext cx="0" cy="0"/>
+          <a:chOff x="0" y="0"/>
+          <a:chExt cx="0" cy="0"/>
+        </a:xfrm>
+      </p:grpSpPr>
+      <p:sp>
+        <p:nvSpPr>
+          <p:cNvPr id="20" name="矩形 19"/>
           <p:cNvSpPr/>
           <p:nvPr/>
         </p:nvSpPr>
         <p:spPr>
           <a:xfrm>
             <a:off x="4849562" y="550858"/>
-            <a:ext cx="1415772" cy="461665"/>
+            <a:ext cx="1723549" cy="461665"/>
           </a:xfrm>
           <a:prstGeom prst="rect">
             <a:avLst/>
@@ -3393,7 +4196,202 @@
                   </a:schemeClr>
                 </a:solidFill>
               </a:rPr>
-              <a:t>界面设计</a:t>
+              <a:t>数据库设计</a:t>
+            </a:r>
+          </a:p>
+        </p:txBody>
+      </p:sp>
+      <p:sp>
+        <p:nvSpPr>
+          <p:cNvPr id="3" name="文本框 2">
+            <a:extLst>
+              <a:ext uri="{FF2B5EF4-FFF2-40B4-BE49-F238E27FC236}">
+                <a16:creationId xmlns:a16="http://schemas.microsoft.com/office/drawing/2014/main" id="{454E3338-F167-0943-A899-70AA03E31C00}"/>
+              </a:ext>
+            </a:extLst>
+          </p:cNvPr>
+          <p:cNvSpPr txBox="1"/>
+          <p:nvPr/>
+        </p:nvSpPr>
+        <p:spPr>
+          <a:xfrm>
+            <a:off x="3297836" y="7600013"/>
+            <a:ext cx="184731" cy="369332"/>
+          </a:xfrm>
+          <a:prstGeom prst="rect">
+            <a:avLst/>
+          </a:prstGeom>
+          <a:noFill/>
+        </p:spPr>
+        <p:txBody>
+          <a:bodyPr wrap="none" rtlCol="0">
+            <a:spAutoFit/>
+          </a:bodyPr>
+          <a:lstStyle/>
+          <a:p>
+            <a:endParaRPr kumimoji="1" lang="zh-CN" altLang="en-US"/>
+          </a:p>
+        </p:txBody>
+      </p:sp>
+      <p:pic>
+        <p:nvPicPr>
+          <p:cNvPr id="5" name="图片 4">
+            <a:extLst>
+              <a:ext uri="{FF2B5EF4-FFF2-40B4-BE49-F238E27FC236}">
+                <a16:creationId xmlns:a16="http://schemas.microsoft.com/office/drawing/2014/main" id="{0A4B70A2-D5F9-45AB-8E4A-9BBF3CBC4B0D}"/>
+              </a:ext>
+            </a:extLst>
+          </p:cNvPr>
+          <p:cNvPicPr>
+            <a:picLocks noChangeAspect="1"/>
+          </p:cNvPicPr>
+          <p:nvPr/>
+        </p:nvPicPr>
+        <p:blipFill>
+          <a:blip r:embed="rId3"/>
+          <a:stretch>
+            <a:fillRect/>
+          </a:stretch>
+        </p:blipFill>
+        <p:spPr>
+          <a:xfrm>
+            <a:off x="2275950" y="1263552"/>
+            <a:ext cx="7216765" cy="2248095"/>
+          </a:xfrm>
+          <a:prstGeom prst="rect">
+            <a:avLst/>
+          </a:prstGeom>
+        </p:spPr>
+      </p:pic>
+      <p:pic>
+        <p:nvPicPr>
+          <p:cNvPr id="7" name="图片 6">
+            <a:extLst>
+              <a:ext uri="{FF2B5EF4-FFF2-40B4-BE49-F238E27FC236}">
+                <a16:creationId xmlns:a16="http://schemas.microsoft.com/office/drawing/2014/main" id="{CA817423-B1C9-4430-9704-FC51B566EF83}"/>
+              </a:ext>
+            </a:extLst>
+          </p:cNvPr>
+          <p:cNvPicPr>
+            <a:picLocks noChangeAspect="1"/>
+          </p:cNvPicPr>
+          <p:nvPr/>
+        </p:nvPicPr>
+        <p:blipFill>
+          <a:blip r:embed="rId4"/>
+          <a:stretch>
+            <a:fillRect/>
+          </a:stretch>
+        </p:blipFill>
+        <p:spPr>
+          <a:xfrm>
+            <a:off x="2222605" y="3772657"/>
+            <a:ext cx="7270110" cy="2072820"/>
+          </a:xfrm>
+          <a:prstGeom prst="rect">
+            <a:avLst/>
+          </a:prstGeom>
+        </p:spPr>
+      </p:pic>
+    </p:spTree>
+    <p:extLst>
+      <p:ext uri="{BB962C8B-B14F-4D97-AF65-F5344CB8AC3E}">
+        <p14:creationId xmlns:p14="http://schemas.microsoft.com/office/powerpoint/2010/main" val="3921773112"/>
+      </p:ext>
+    </p:extLst>
+  </p:cSld>
+  <p:clrMapOvr>
+    <a:masterClrMapping/>
+  </p:clrMapOvr>
+</p:sld>
+</file>
+
+<file path=ppt/slides/slide7.xml><?xml version="1.0" encoding="utf-8"?>
+<p:sld xmlns:a="http://schemas.openxmlformats.org/drawingml/2006/main" xmlns:r="http://schemas.openxmlformats.org/officeDocument/2006/relationships" xmlns:p="http://schemas.openxmlformats.org/presentationml/2006/main">
+  <p:cSld>
+    <p:spTree>
+      <p:nvGrpSpPr>
+        <p:cNvPr id="1" name=""/>
+        <p:cNvGrpSpPr/>
+        <p:nvPr/>
+      </p:nvGrpSpPr>
+      <p:grpSpPr>
+        <a:xfrm>
+          <a:off x="0" y="0"/>
+          <a:ext cx="0" cy="0"/>
+          <a:chOff x="0" y="0"/>
+          <a:chExt cx="0" cy="0"/>
+        </a:xfrm>
+      </p:grpSpPr>
+      <p:sp>
+        <p:nvSpPr>
+          <p:cNvPr id="3" name="文本框 2">
+            <a:extLst>
+              <a:ext uri="{FF2B5EF4-FFF2-40B4-BE49-F238E27FC236}">
+                <a16:creationId xmlns:a16="http://schemas.microsoft.com/office/drawing/2014/main" id="{454E3338-F167-0943-A899-70AA03E31C00}"/>
+              </a:ext>
+            </a:extLst>
+          </p:cNvPr>
+          <p:cNvSpPr txBox="1"/>
+          <p:nvPr/>
+        </p:nvSpPr>
+        <p:spPr>
+          <a:xfrm>
+            <a:off x="3297836" y="7600013"/>
+            <a:ext cx="184731" cy="369332"/>
+          </a:xfrm>
+          <a:prstGeom prst="rect">
+            <a:avLst/>
+          </a:prstGeom>
+          <a:noFill/>
+        </p:spPr>
+        <p:txBody>
+          <a:bodyPr wrap="none" rtlCol="0">
+            <a:spAutoFit/>
+          </a:bodyPr>
+          <a:lstStyle/>
+          <a:p>
+            <a:endParaRPr kumimoji="1" lang="zh-CN" altLang="en-US"/>
+          </a:p>
+        </p:txBody>
+      </p:sp>
+      <p:sp>
+        <p:nvSpPr>
+          <p:cNvPr id="5" name="矩形 4">
+            <a:extLst>
+              <a:ext uri="{FF2B5EF4-FFF2-40B4-BE49-F238E27FC236}">
+                <a16:creationId xmlns:a16="http://schemas.microsoft.com/office/drawing/2014/main" id="{8E26A622-EC09-4F82-9ADA-8367AB14CE96}"/>
+              </a:ext>
+            </a:extLst>
+          </p:cNvPr>
+          <p:cNvSpPr/>
+          <p:nvPr/>
+        </p:nvSpPr>
+        <p:spPr>
+          <a:xfrm>
+            <a:off x="4849562" y="550858"/>
+            <a:ext cx="2646878" cy="461665"/>
+          </a:xfrm>
+          <a:prstGeom prst="rect">
+            <a:avLst/>
+          </a:prstGeom>
+        </p:spPr>
+        <p:txBody>
+          <a:bodyPr wrap="none">
+            <a:spAutoFit/>
+          </a:bodyPr>
+          <a:lstStyle/>
+          <a:p>
+            <a:r>
+              <a:rPr lang="zh-CN" altLang="en-US" sz="2400" b="1" dirty="0">
+                <a:solidFill>
+                  <a:schemeClr val="tx1">
+                    <a:lumMod val="75000"/>
+                    <a:lumOff val="25000"/>
+                  </a:schemeClr>
+                </a:solidFill>
+              </a:rPr>
+              <a:t>界面设计（部分）</a:t>
             </a:r>
           </a:p>
         </p:txBody>
@@ -3512,7 +4510,7 @@
 </p:sld>
 </file>
 
-<file path=ppt/slides/slide5.xml><?xml version="1.0" encoding="utf-8"?>
+<file path=ppt/slides/slide8.xml><?xml version="1.0" encoding="utf-8"?>
 <p:sld xmlns:a="http://schemas.openxmlformats.org/drawingml/2006/main" xmlns:r="http://schemas.openxmlformats.org/officeDocument/2006/relationships" xmlns:p="http://schemas.openxmlformats.org/presentationml/2006/main">
   <p:cSld>
     <p:spTree>
@@ -3847,749 +4845,6 @@
 </p:sld>
 </file>
 
-<file path=ppt/slides/slide6.xml><?xml version="1.0" encoding="utf-8"?>
-<p:sld xmlns:a="http://schemas.openxmlformats.org/drawingml/2006/main" xmlns:r="http://schemas.openxmlformats.org/officeDocument/2006/relationships" xmlns:p="http://schemas.openxmlformats.org/presentationml/2006/main">
-  <p:cSld>
-    <p:spTree>
-      <p:nvGrpSpPr>
-        <p:cNvPr id="1" name=""/>
-        <p:cNvGrpSpPr/>
-        <p:nvPr/>
-      </p:nvGrpSpPr>
-      <p:grpSpPr>
-        <a:xfrm>
-          <a:off x="0" y="0"/>
-          <a:ext cx="0" cy="0"/>
-          <a:chOff x="0" y="0"/>
-          <a:chExt cx="0" cy="0"/>
-        </a:xfrm>
-      </p:grpSpPr>
-      <p:sp>
-        <p:nvSpPr>
-          <p:cNvPr id="3" name="文本框 2">
-            <a:extLst>
-              <a:ext uri="{FF2B5EF4-FFF2-40B4-BE49-F238E27FC236}">
-                <a16:creationId xmlns:a16="http://schemas.microsoft.com/office/drawing/2014/main" id="{454E3338-F167-0943-A899-70AA03E31C00}"/>
-              </a:ext>
-            </a:extLst>
-          </p:cNvPr>
-          <p:cNvSpPr txBox="1"/>
-          <p:nvPr/>
-        </p:nvSpPr>
-        <p:spPr>
-          <a:xfrm>
-            <a:off x="3297836" y="7600013"/>
-            <a:ext cx="184731" cy="369332"/>
-          </a:xfrm>
-          <a:prstGeom prst="rect">
-            <a:avLst/>
-          </a:prstGeom>
-          <a:noFill/>
-        </p:spPr>
-        <p:txBody>
-          <a:bodyPr wrap="none" rtlCol="0">
-            <a:spAutoFit/>
-          </a:bodyPr>
-          <a:lstStyle/>
-          <a:p>
-            <a:endParaRPr kumimoji="1" lang="zh-CN" altLang="en-US"/>
-          </a:p>
-        </p:txBody>
-      </p:sp>
-      <p:sp>
-        <p:nvSpPr>
-          <p:cNvPr id="4" name="矩形 3">
-            <a:extLst>
-              <a:ext uri="{FF2B5EF4-FFF2-40B4-BE49-F238E27FC236}">
-                <a16:creationId xmlns:a16="http://schemas.microsoft.com/office/drawing/2014/main" id="{39980CFA-A964-43E2-8AB9-54133C6FF786}"/>
-              </a:ext>
-            </a:extLst>
-          </p:cNvPr>
-          <p:cNvSpPr/>
-          <p:nvPr/>
-        </p:nvSpPr>
-        <p:spPr>
-          <a:xfrm>
-            <a:off x="4498528" y="131374"/>
-            <a:ext cx="1723549" cy="461665"/>
-          </a:xfrm>
-          <a:prstGeom prst="rect">
-            <a:avLst/>
-          </a:prstGeom>
-        </p:spPr>
-        <p:txBody>
-          <a:bodyPr wrap="none">
-            <a:spAutoFit/>
-          </a:bodyPr>
-          <a:lstStyle/>
-          <a:p>
-            <a:r>
-              <a:rPr lang="zh-CN" altLang="en-US" sz="2400" b="1" dirty="0">
-                <a:solidFill>
-                  <a:schemeClr val="tx1">
-                    <a:lumMod val="75000"/>
-                    <a:lumOff val="25000"/>
-                  </a:schemeClr>
-                </a:solidFill>
-              </a:rPr>
-              <a:t>程序流程图</a:t>
-            </a:r>
-          </a:p>
-        </p:txBody>
-      </p:sp>
-      <p:pic>
-        <p:nvPicPr>
-          <p:cNvPr id="5" name="图片 4">
-            <a:extLst>
-              <a:ext uri="{FF2B5EF4-FFF2-40B4-BE49-F238E27FC236}">
-                <a16:creationId xmlns:a16="http://schemas.microsoft.com/office/drawing/2014/main" id="{E2829B28-CDB0-4D37-84F7-E6103968B926}"/>
-              </a:ext>
-            </a:extLst>
-          </p:cNvPr>
-          <p:cNvPicPr>
-            <a:picLocks noChangeAspect="1"/>
-          </p:cNvPicPr>
-          <p:nvPr/>
-        </p:nvPicPr>
-        <p:blipFill>
-          <a:blip r:embed="rId3"/>
-          <a:stretch>
-            <a:fillRect/>
-          </a:stretch>
-        </p:blipFill>
-        <p:spPr>
-          <a:xfrm>
-            <a:off x="927896" y="1396999"/>
-            <a:ext cx="2679154" cy="5364423"/>
-          </a:xfrm>
-          <a:prstGeom prst="rect">
-            <a:avLst/>
-          </a:prstGeom>
-        </p:spPr>
-      </p:pic>
-      <p:sp>
-        <p:nvSpPr>
-          <p:cNvPr id="6" name="矩形 5">
-            <a:extLst>
-              <a:ext uri="{FF2B5EF4-FFF2-40B4-BE49-F238E27FC236}">
-                <a16:creationId xmlns:a16="http://schemas.microsoft.com/office/drawing/2014/main" id="{0CE3250C-BD93-456D-8942-7F450B079676}"/>
-              </a:ext>
-            </a:extLst>
-          </p:cNvPr>
-          <p:cNvSpPr/>
-          <p:nvPr/>
-        </p:nvSpPr>
-        <p:spPr>
-          <a:xfrm>
-            <a:off x="1559587" y="935334"/>
-            <a:ext cx="1415772" cy="461665"/>
-          </a:xfrm>
-          <a:prstGeom prst="rect">
-            <a:avLst/>
-          </a:prstGeom>
-        </p:spPr>
-        <p:txBody>
-          <a:bodyPr wrap="none">
-            <a:spAutoFit/>
-          </a:bodyPr>
-          <a:lstStyle/>
-          <a:p>
-            <a:r>
-              <a:rPr lang="zh-CN" altLang="en-US" sz="2400" b="1" dirty="0">
-                <a:solidFill>
-                  <a:schemeClr val="tx1">
-                    <a:lumMod val="75000"/>
-                    <a:lumOff val="25000"/>
-                  </a:schemeClr>
-                </a:solidFill>
-              </a:rPr>
-              <a:t>注册模块</a:t>
-            </a:r>
-          </a:p>
-        </p:txBody>
-      </p:sp>
-      <p:pic>
-        <p:nvPicPr>
-          <p:cNvPr id="7" name="图片 6">
-            <a:extLst>
-              <a:ext uri="{FF2B5EF4-FFF2-40B4-BE49-F238E27FC236}">
-                <a16:creationId xmlns:a16="http://schemas.microsoft.com/office/drawing/2014/main" id="{0F01B8BB-616A-4D37-ABD8-E6C0D1CBAF81}"/>
-              </a:ext>
-            </a:extLst>
-          </p:cNvPr>
-          <p:cNvPicPr>
-            <a:picLocks noChangeAspect="1"/>
-          </p:cNvPicPr>
-          <p:nvPr/>
-        </p:nvPicPr>
-        <p:blipFill>
-          <a:blip r:embed="rId4"/>
-          <a:stretch>
-            <a:fillRect/>
-          </a:stretch>
-        </p:blipFill>
-        <p:spPr>
-          <a:xfrm>
-            <a:off x="4415016" y="1396999"/>
-            <a:ext cx="2067705" cy="3899638"/>
-          </a:xfrm>
-          <a:prstGeom prst="rect">
-            <a:avLst/>
-          </a:prstGeom>
-        </p:spPr>
-      </p:pic>
-      <p:sp>
-        <p:nvSpPr>
-          <p:cNvPr id="8" name="矩形 7">
-            <a:extLst>
-              <a:ext uri="{FF2B5EF4-FFF2-40B4-BE49-F238E27FC236}">
-                <a16:creationId xmlns:a16="http://schemas.microsoft.com/office/drawing/2014/main" id="{82976118-E2C5-47AC-A09F-7877982ACA2D}"/>
-              </a:ext>
-            </a:extLst>
-          </p:cNvPr>
-          <p:cNvSpPr/>
-          <p:nvPr/>
-        </p:nvSpPr>
-        <p:spPr>
-          <a:xfrm>
-            <a:off x="4652417" y="935333"/>
-            <a:ext cx="1415772" cy="461665"/>
-          </a:xfrm>
-          <a:prstGeom prst="rect">
-            <a:avLst/>
-          </a:prstGeom>
-        </p:spPr>
-        <p:txBody>
-          <a:bodyPr wrap="none">
-            <a:spAutoFit/>
-          </a:bodyPr>
-          <a:lstStyle/>
-          <a:p>
-            <a:r>
-              <a:rPr lang="zh-CN" altLang="en-US" sz="2400" b="1" dirty="0">
-                <a:solidFill>
-                  <a:schemeClr val="tx1">
-                    <a:lumMod val="75000"/>
-                    <a:lumOff val="25000"/>
-                  </a:schemeClr>
-                </a:solidFill>
-              </a:rPr>
-              <a:t>登录模块</a:t>
-            </a:r>
-          </a:p>
-        </p:txBody>
-      </p:sp>
-      <p:pic>
-        <p:nvPicPr>
-          <p:cNvPr id="9" name="图片 8">
-            <a:extLst>
-              <a:ext uri="{FF2B5EF4-FFF2-40B4-BE49-F238E27FC236}">
-                <a16:creationId xmlns:a16="http://schemas.microsoft.com/office/drawing/2014/main" id="{9D745649-1ED0-472B-B1EB-E36996A50E7E}"/>
-              </a:ext>
-            </a:extLst>
-          </p:cNvPr>
-          <p:cNvPicPr>
-            <a:picLocks noChangeAspect="1"/>
-          </p:cNvPicPr>
-          <p:nvPr/>
-        </p:nvPicPr>
-        <p:blipFill>
-          <a:blip r:embed="rId5"/>
-          <a:stretch>
-            <a:fillRect/>
-          </a:stretch>
-        </p:blipFill>
-        <p:spPr>
-          <a:xfrm>
-            <a:off x="9498086" y="1396997"/>
-            <a:ext cx="2268654" cy="5227806"/>
-          </a:xfrm>
-          <a:prstGeom prst="rect">
-            <a:avLst/>
-          </a:prstGeom>
-        </p:spPr>
-      </p:pic>
-      <p:sp>
-        <p:nvSpPr>
-          <p:cNvPr id="10" name="矩形 9">
-            <a:extLst>
-              <a:ext uri="{FF2B5EF4-FFF2-40B4-BE49-F238E27FC236}">
-                <a16:creationId xmlns:a16="http://schemas.microsoft.com/office/drawing/2014/main" id="{671BD353-91BE-4BF8-B2F4-FB636A3AF56D}"/>
-              </a:ext>
-            </a:extLst>
-          </p:cNvPr>
-          <p:cNvSpPr/>
-          <p:nvPr/>
-        </p:nvSpPr>
-        <p:spPr>
-          <a:xfrm>
-            <a:off x="9498086" y="935332"/>
-            <a:ext cx="2031325" cy="461665"/>
-          </a:xfrm>
-          <a:prstGeom prst="rect">
-            <a:avLst/>
-          </a:prstGeom>
-        </p:spPr>
-        <p:txBody>
-          <a:bodyPr wrap="none">
-            <a:spAutoFit/>
-          </a:bodyPr>
-          <a:lstStyle/>
-          <a:p>
-            <a:r>
-              <a:rPr lang="zh-CN" altLang="en-US" sz="2400" b="1" dirty="0">
-                <a:solidFill>
-                  <a:schemeClr val="tx1">
-                    <a:lumMod val="75000"/>
-                    <a:lumOff val="25000"/>
-                  </a:schemeClr>
-                </a:solidFill>
-              </a:rPr>
-              <a:t>课程提醒模块</a:t>
-            </a:r>
-          </a:p>
-        </p:txBody>
-      </p:sp>
-      <p:pic>
-        <p:nvPicPr>
-          <p:cNvPr id="11" name="图片 10">
-            <a:extLst>
-              <a:ext uri="{FF2B5EF4-FFF2-40B4-BE49-F238E27FC236}">
-                <a16:creationId xmlns:a16="http://schemas.microsoft.com/office/drawing/2014/main" id="{04CCB54C-460A-4375-ABDD-FF0CD8225727}"/>
-              </a:ext>
-            </a:extLst>
-          </p:cNvPr>
-          <p:cNvPicPr>
-            <a:picLocks noChangeAspect="1"/>
-          </p:cNvPicPr>
-          <p:nvPr/>
-        </p:nvPicPr>
-        <p:blipFill>
-          <a:blip r:embed="rId6"/>
-          <a:stretch>
-            <a:fillRect/>
-          </a:stretch>
-        </p:blipFill>
-        <p:spPr>
-          <a:xfrm>
-            <a:off x="6830266" y="1396997"/>
-            <a:ext cx="2320274" cy="3694548"/>
-          </a:xfrm>
-          <a:prstGeom prst="rect">
-            <a:avLst/>
-          </a:prstGeom>
-        </p:spPr>
-      </p:pic>
-      <p:sp>
-        <p:nvSpPr>
-          <p:cNvPr id="12" name="矩形 11">
-            <a:extLst>
-              <a:ext uri="{FF2B5EF4-FFF2-40B4-BE49-F238E27FC236}">
-                <a16:creationId xmlns:a16="http://schemas.microsoft.com/office/drawing/2014/main" id="{B2232A0F-CCAD-4D41-8D70-EE72E4B26BC9}"/>
-              </a:ext>
-            </a:extLst>
-          </p:cNvPr>
-          <p:cNvSpPr/>
-          <p:nvPr/>
-        </p:nvSpPr>
-        <p:spPr>
-          <a:xfrm>
-            <a:off x="6677435" y="935331"/>
-            <a:ext cx="2646878" cy="461665"/>
-          </a:xfrm>
-          <a:prstGeom prst="rect">
-            <a:avLst/>
-          </a:prstGeom>
-        </p:spPr>
-        <p:txBody>
-          <a:bodyPr wrap="none">
-            <a:spAutoFit/>
-          </a:bodyPr>
-          <a:lstStyle/>
-          <a:p>
-            <a:r>
-              <a:rPr lang="zh-CN" altLang="en-US" sz="2400" b="1" dirty="0">
-                <a:solidFill>
-                  <a:schemeClr val="tx1">
-                    <a:lumMod val="75000"/>
-                    <a:lumOff val="25000"/>
-                  </a:schemeClr>
-                </a:solidFill>
-              </a:rPr>
-              <a:t>添加个人任务模块</a:t>
-            </a:r>
-          </a:p>
-        </p:txBody>
-      </p:sp>
-    </p:spTree>
-    <p:extLst>
-      <p:ext uri="{BB962C8B-B14F-4D97-AF65-F5344CB8AC3E}">
-        <p14:creationId xmlns:p14="http://schemas.microsoft.com/office/powerpoint/2010/main" val="1754308760"/>
-      </p:ext>
-    </p:extLst>
-  </p:cSld>
-  <p:clrMapOvr>
-    <a:masterClrMapping/>
-  </p:clrMapOvr>
-</p:sld>
-</file>
-
-<file path=ppt/slides/slide7.xml><?xml version="1.0" encoding="utf-8"?>
-<p:sld xmlns:a="http://schemas.openxmlformats.org/drawingml/2006/main" xmlns:r="http://schemas.openxmlformats.org/officeDocument/2006/relationships" xmlns:p="http://schemas.openxmlformats.org/presentationml/2006/main">
-  <p:cSld>
-    <p:spTree>
-      <p:nvGrpSpPr>
-        <p:cNvPr id="1" name=""/>
-        <p:cNvGrpSpPr/>
-        <p:nvPr/>
-      </p:nvGrpSpPr>
-      <p:grpSpPr>
-        <a:xfrm>
-          <a:off x="0" y="0"/>
-          <a:ext cx="0" cy="0"/>
-          <a:chOff x="0" y="0"/>
-          <a:chExt cx="0" cy="0"/>
-        </a:xfrm>
-      </p:grpSpPr>
-      <p:sp>
-        <p:nvSpPr>
-          <p:cNvPr id="3" name="文本框 2">
-            <a:extLst>
-              <a:ext uri="{FF2B5EF4-FFF2-40B4-BE49-F238E27FC236}">
-                <a16:creationId xmlns:a16="http://schemas.microsoft.com/office/drawing/2014/main" id="{454E3338-F167-0943-A899-70AA03E31C00}"/>
-              </a:ext>
-            </a:extLst>
-          </p:cNvPr>
-          <p:cNvSpPr txBox="1"/>
-          <p:nvPr/>
-        </p:nvSpPr>
-        <p:spPr>
-          <a:xfrm>
-            <a:off x="3297836" y="7600013"/>
-            <a:ext cx="184731" cy="369332"/>
-          </a:xfrm>
-          <a:prstGeom prst="rect">
-            <a:avLst/>
-          </a:prstGeom>
-          <a:noFill/>
-        </p:spPr>
-        <p:txBody>
-          <a:bodyPr wrap="none" rtlCol="0">
-            <a:spAutoFit/>
-          </a:bodyPr>
-          <a:lstStyle/>
-          <a:p>
-            <a:endParaRPr kumimoji="1" lang="zh-CN" altLang="en-US"/>
-          </a:p>
-        </p:txBody>
-      </p:sp>
-      <p:sp>
-        <p:nvSpPr>
-          <p:cNvPr id="4" name="矩形 3">
-            <a:extLst>
-              <a:ext uri="{FF2B5EF4-FFF2-40B4-BE49-F238E27FC236}">
-                <a16:creationId xmlns:a16="http://schemas.microsoft.com/office/drawing/2014/main" id="{ADEBF589-68CC-4857-B9BF-1CCF8D69A787}"/>
-              </a:ext>
-            </a:extLst>
-          </p:cNvPr>
-          <p:cNvSpPr/>
-          <p:nvPr/>
-        </p:nvSpPr>
-        <p:spPr>
-          <a:xfrm>
-            <a:off x="4545952" y="467484"/>
-            <a:ext cx="1415772" cy="461665"/>
-          </a:xfrm>
-          <a:prstGeom prst="rect">
-            <a:avLst/>
-          </a:prstGeom>
-        </p:spPr>
-        <p:txBody>
-          <a:bodyPr wrap="none">
-            <a:spAutoFit/>
-          </a:bodyPr>
-          <a:lstStyle/>
-          <a:p>
-            <a:r>
-              <a:rPr lang="zh-CN" altLang="en-US" sz="2400" b="1" dirty="0">
-                <a:solidFill>
-                  <a:schemeClr val="tx1">
-                    <a:lumMod val="75000"/>
-                    <a:lumOff val="25000"/>
-                  </a:schemeClr>
-                </a:solidFill>
-              </a:rPr>
-              <a:t>会议纪要</a:t>
-            </a:r>
-          </a:p>
-        </p:txBody>
-      </p:sp>
-      <p:pic>
-        <p:nvPicPr>
-          <p:cNvPr id="5" name="图片 4">
-            <a:extLst>
-              <a:ext uri="{FF2B5EF4-FFF2-40B4-BE49-F238E27FC236}">
-                <a16:creationId xmlns:a16="http://schemas.microsoft.com/office/drawing/2014/main" id="{F8EBFCCA-D646-46CC-BD1E-3040E4C13BF8}"/>
-              </a:ext>
-            </a:extLst>
-          </p:cNvPr>
-          <p:cNvPicPr>
-            <a:picLocks noChangeAspect="1"/>
-          </p:cNvPicPr>
-          <p:nvPr/>
-        </p:nvPicPr>
-        <p:blipFill>
-          <a:blip r:embed="rId3"/>
-          <a:stretch>
-            <a:fillRect/>
-          </a:stretch>
-        </p:blipFill>
-        <p:spPr>
-          <a:xfrm>
-            <a:off x="587220" y="929149"/>
-            <a:ext cx="4907705" cy="5616427"/>
-          </a:xfrm>
-          <a:prstGeom prst="rect">
-            <a:avLst/>
-          </a:prstGeom>
-        </p:spPr>
-      </p:pic>
-      <p:pic>
-        <p:nvPicPr>
-          <p:cNvPr id="7" name="图片 6">
-            <a:extLst>
-              <a:ext uri="{FF2B5EF4-FFF2-40B4-BE49-F238E27FC236}">
-                <a16:creationId xmlns:a16="http://schemas.microsoft.com/office/drawing/2014/main" id="{1010752F-C213-423D-AC3B-D58C5AA167EA}"/>
-              </a:ext>
-            </a:extLst>
-          </p:cNvPr>
-          <p:cNvPicPr>
-            <a:picLocks noChangeAspect="1"/>
-          </p:cNvPicPr>
-          <p:nvPr/>
-        </p:nvPicPr>
-        <p:blipFill>
-          <a:blip r:embed="rId4"/>
-          <a:stretch>
-            <a:fillRect/>
-          </a:stretch>
-        </p:blipFill>
-        <p:spPr>
-          <a:xfrm>
-            <a:off x="5961724" y="929149"/>
-            <a:ext cx="5067335" cy="5616427"/>
-          </a:xfrm>
-          <a:prstGeom prst="rect">
-            <a:avLst/>
-          </a:prstGeom>
-        </p:spPr>
-      </p:pic>
-    </p:spTree>
-    <p:extLst>
-      <p:ext uri="{BB962C8B-B14F-4D97-AF65-F5344CB8AC3E}">
-        <p14:creationId xmlns:p14="http://schemas.microsoft.com/office/powerpoint/2010/main" val="2515086634"/>
-      </p:ext>
-    </p:extLst>
-  </p:cSld>
-  <p:clrMapOvr>
-    <a:masterClrMapping/>
-  </p:clrMapOvr>
-</p:sld>
-</file>
-
-<file path=ppt/slides/slide8.xml><?xml version="1.0" encoding="utf-8"?>
-<p:sld xmlns:a="http://schemas.openxmlformats.org/drawingml/2006/main" xmlns:r="http://schemas.openxmlformats.org/officeDocument/2006/relationships" xmlns:p="http://schemas.openxmlformats.org/presentationml/2006/main">
-  <p:cSld>
-    <p:spTree>
-      <p:nvGrpSpPr>
-        <p:cNvPr id="1" name=""/>
-        <p:cNvGrpSpPr/>
-        <p:nvPr/>
-      </p:nvGrpSpPr>
-      <p:grpSpPr>
-        <a:xfrm>
-          <a:off x="0" y="0"/>
-          <a:ext cx="0" cy="0"/>
-          <a:chOff x="0" y="0"/>
-          <a:chExt cx="0" cy="0"/>
-        </a:xfrm>
-      </p:grpSpPr>
-      <p:sp>
-        <p:nvSpPr>
-          <p:cNvPr id="3" name="文本框 2">
-            <a:extLst>
-              <a:ext uri="{FF2B5EF4-FFF2-40B4-BE49-F238E27FC236}">
-                <a16:creationId xmlns:a16="http://schemas.microsoft.com/office/drawing/2014/main" id="{454E3338-F167-0943-A899-70AA03E31C00}"/>
-              </a:ext>
-            </a:extLst>
-          </p:cNvPr>
-          <p:cNvSpPr txBox="1"/>
-          <p:nvPr/>
-        </p:nvSpPr>
-        <p:spPr>
-          <a:xfrm>
-            <a:off x="3297836" y="7600013"/>
-            <a:ext cx="184731" cy="369332"/>
-          </a:xfrm>
-          <a:prstGeom prst="rect">
-            <a:avLst/>
-          </a:prstGeom>
-          <a:noFill/>
-        </p:spPr>
-        <p:txBody>
-          <a:bodyPr wrap="none" rtlCol="0">
-            <a:spAutoFit/>
-          </a:bodyPr>
-          <a:lstStyle/>
-          <a:p>
-            <a:endParaRPr kumimoji="1" lang="zh-CN" altLang="en-US"/>
-          </a:p>
-        </p:txBody>
-      </p:sp>
-      <p:sp>
-        <p:nvSpPr>
-          <p:cNvPr id="4" name="矩形 3">
-            <a:extLst>
-              <a:ext uri="{FF2B5EF4-FFF2-40B4-BE49-F238E27FC236}">
-                <a16:creationId xmlns:a16="http://schemas.microsoft.com/office/drawing/2014/main" id="{1FD5ED6D-99C1-4E0A-821E-D598E2C51609}"/>
-              </a:ext>
-            </a:extLst>
-          </p:cNvPr>
-          <p:cNvSpPr/>
-          <p:nvPr/>
-        </p:nvSpPr>
-        <p:spPr>
-          <a:xfrm>
-            <a:off x="4649861" y="519439"/>
-            <a:ext cx="1415772" cy="461665"/>
-          </a:xfrm>
-          <a:prstGeom prst="rect">
-            <a:avLst/>
-          </a:prstGeom>
-        </p:spPr>
-        <p:txBody>
-          <a:bodyPr wrap="none">
-            <a:spAutoFit/>
-          </a:bodyPr>
-          <a:lstStyle/>
-          <a:p>
-            <a:r>
-              <a:rPr lang="zh-CN" altLang="en-US" sz="2400" b="1" dirty="0">
-                <a:solidFill>
-                  <a:schemeClr val="tx1">
-                    <a:lumMod val="75000"/>
-                    <a:lumOff val="25000"/>
-                  </a:schemeClr>
-                </a:solidFill>
-              </a:rPr>
-              <a:t>绩效评审</a:t>
-            </a:r>
-          </a:p>
-        </p:txBody>
-      </p:sp>
-      <p:pic>
-        <p:nvPicPr>
-          <p:cNvPr id="5" name="图片 4">
-            <a:extLst>
-              <a:ext uri="{FF2B5EF4-FFF2-40B4-BE49-F238E27FC236}">
-                <a16:creationId xmlns:a16="http://schemas.microsoft.com/office/drawing/2014/main" id="{227F8DF2-AF71-43E2-B016-C316E368CBA3}"/>
-              </a:ext>
-            </a:extLst>
-          </p:cNvPr>
-          <p:cNvPicPr>
-            <a:picLocks noChangeAspect="1"/>
-          </p:cNvPicPr>
-          <p:nvPr/>
-        </p:nvPicPr>
-        <p:blipFill>
-          <a:blip r:embed="rId3"/>
-          <a:stretch>
-            <a:fillRect/>
-          </a:stretch>
-        </p:blipFill>
-        <p:spPr>
-          <a:xfrm>
-            <a:off x="346469" y="2333754"/>
-            <a:ext cx="5555461" cy="1005927"/>
-          </a:xfrm>
-          <a:prstGeom prst="rect">
-            <a:avLst/>
-          </a:prstGeom>
-        </p:spPr>
-      </p:pic>
-      <p:pic>
-        <p:nvPicPr>
-          <p:cNvPr id="7" name="图片 6">
-            <a:extLst>
-              <a:ext uri="{FF2B5EF4-FFF2-40B4-BE49-F238E27FC236}">
-                <a16:creationId xmlns:a16="http://schemas.microsoft.com/office/drawing/2014/main" id="{6F4FBBDE-FC92-4957-92CD-536628BF4CEF}"/>
-              </a:ext>
-            </a:extLst>
-          </p:cNvPr>
-          <p:cNvPicPr>
-            <a:picLocks noChangeAspect="1"/>
-          </p:cNvPicPr>
-          <p:nvPr/>
-        </p:nvPicPr>
-        <p:blipFill>
-          <a:blip r:embed="rId4"/>
-          <a:stretch>
-            <a:fillRect/>
-          </a:stretch>
-        </p:blipFill>
-        <p:spPr>
-          <a:xfrm>
-            <a:off x="346469" y="3339681"/>
-            <a:ext cx="5563082" cy="937341"/>
-          </a:xfrm>
-          <a:prstGeom prst="rect">
-            <a:avLst/>
-          </a:prstGeom>
-        </p:spPr>
-      </p:pic>
-      <p:pic>
-        <p:nvPicPr>
-          <p:cNvPr id="9" name="图片 8">
-            <a:extLst>
-              <a:ext uri="{FF2B5EF4-FFF2-40B4-BE49-F238E27FC236}">
-                <a16:creationId xmlns:a16="http://schemas.microsoft.com/office/drawing/2014/main" id="{E413118E-1F37-4137-A9C7-8806143E6F33}"/>
-              </a:ext>
-            </a:extLst>
-          </p:cNvPr>
-          <p:cNvPicPr>
-            <a:picLocks noChangeAspect="1"/>
-          </p:cNvPicPr>
-          <p:nvPr/>
-        </p:nvPicPr>
-        <p:blipFill>
-          <a:blip r:embed="rId5"/>
-          <a:stretch>
-            <a:fillRect/>
-          </a:stretch>
-        </p:blipFill>
-        <p:spPr>
-          <a:xfrm>
-            <a:off x="6065633" y="1141120"/>
-            <a:ext cx="5814564" cy="5334462"/>
-          </a:xfrm>
-          <a:prstGeom prst="rect">
-            <a:avLst/>
-          </a:prstGeom>
-        </p:spPr>
-      </p:pic>
-    </p:spTree>
-    <p:extLst>
-      <p:ext uri="{BB962C8B-B14F-4D97-AF65-F5344CB8AC3E}">
-        <p14:creationId xmlns:p14="http://schemas.microsoft.com/office/powerpoint/2010/main" val="320097999"/>
-      </p:ext>
-    </p:extLst>
-  </p:cSld>
-  <p:clrMapOvr>
-    <a:masterClrMapping/>
-  </p:clrMapOvr>
-</p:sld>
-</file>
-
 <file path=ppt/slides/slide9.xml><?xml version="1.0" encoding="utf-8"?>
 <p:sld xmlns:a="http://schemas.openxmlformats.org/drawingml/2006/main" xmlns:r="http://schemas.openxmlformats.org/officeDocument/2006/relationships" xmlns:p="http://schemas.openxmlformats.org/presentationml/2006/main">
   <p:cSld>
@@ -4609,14 +4864,52 @@
       </p:grpSpPr>
       <p:sp>
         <p:nvSpPr>
-          <p:cNvPr id="20" name="矩形 19"/>
+          <p:cNvPr id="3" name="文本框 2">
+            <a:extLst>
+              <a:ext uri="{FF2B5EF4-FFF2-40B4-BE49-F238E27FC236}">
+                <a16:creationId xmlns:a16="http://schemas.microsoft.com/office/drawing/2014/main" id="{454E3338-F167-0943-A899-70AA03E31C00}"/>
+              </a:ext>
+            </a:extLst>
+          </p:cNvPr>
+          <p:cNvSpPr txBox="1"/>
+          <p:nvPr/>
+        </p:nvSpPr>
+        <p:spPr>
+          <a:xfrm>
+            <a:off x="3297836" y="7600013"/>
+            <a:ext cx="184731" cy="369332"/>
+          </a:xfrm>
+          <a:prstGeom prst="rect">
+            <a:avLst/>
+          </a:prstGeom>
+          <a:noFill/>
+        </p:spPr>
+        <p:txBody>
+          <a:bodyPr wrap="none" rtlCol="0">
+            <a:spAutoFit/>
+          </a:bodyPr>
+          <a:lstStyle/>
+          <a:p>
+            <a:endParaRPr kumimoji="1" lang="zh-CN" altLang="en-US"/>
+          </a:p>
+        </p:txBody>
+      </p:sp>
+      <p:sp>
+        <p:nvSpPr>
+          <p:cNvPr id="4" name="矩形 3">
+            <a:extLst>
+              <a:ext uri="{FF2B5EF4-FFF2-40B4-BE49-F238E27FC236}">
+                <a16:creationId xmlns:a16="http://schemas.microsoft.com/office/drawing/2014/main" id="{39980CFA-A964-43E2-8AB9-54133C6FF786}"/>
+              </a:ext>
+            </a:extLst>
+          </p:cNvPr>
           <p:cNvSpPr/>
           <p:nvPr/>
         </p:nvSpPr>
         <p:spPr>
           <a:xfrm>
-            <a:off x="4680228" y="879225"/>
-            <a:ext cx="1415772" cy="461665"/>
+            <a:off x="4498528" y="131374"/>
+            <a:ext cx="1723549" cy="461665"/>
           </a:xfrm>
           <a:prstGeom prst="rect">
             <a:avLst/>
@@ -4637,17 +4930,47 @@
                   </a:schemeClr>
                 </a:solidFill>
               </a:rPr>
-              <a:t>参考文献</a:t>
+              <a:t>程序流程图</a:t>
             </a:r>
           </a:p>
         </p:txBody>
       </p:sp>
-      <p:sp>
-        <p:nvSpPr>
-          <p:cNvPr id="2" name="矩形 1">
-            <a:extLst>
-              <a:ext uri="{FF2B5EF4-FFF2-40B4-BE49-F238E27FC236}">
-                <a16:creationId xmlns:a16="http://schemas.microsoft.com/office/drawing/2014/main" id="{D8A01203-75A6-9A42-890B-B364B2A1AAE4}"/>
+      <p:pic>
+        <p:nvPicPr>
+          <p:cNvPr id="5" name="图片 4">
+            <a:extLst>
+              <a:ext uri="{FF2B5EF4-FFF2-40B4-BE49-F238E27FC236}">
+                <a16:creationId xmlns:a16="http://schemas.microsoft.com/office/drawing/2014/main" id="{E2829B28-CDB0-4D37-84F7-E6103968B926}"/>
+              </a:ext>
+            </a:extLst>
+          </p:cNvPr>
+          <p:cNvPicPr>
+            <a:picLocks noChangeAspect="1"/>
+          </p:cNvPicPr>
+          <p:nvPr/>
+        </p:nvPicPr>
+        <p:blipFill>
+          <a:blip r:embed="rId3"/>
+          <a:stretch>
+            <a:fillRect/>
+          </a:stretch>
+        </p:blipFill>
+        <p:spPr>
+          <a:xfrm>
+            <a:off x="927896" y="1396999"/>
+            <a:ext cx="2679154" cy="5364423"/>
+          </a:xfrm>
+          <a:prstGeom prst="rect">
+            <a:avLst/>
+          </a:prstGeom>
+        </p:spPr>
+      </p:pic>
+      <p:sp>
+        <p:nvSpPr>
+          <p:cNvPr id="6" name="矩形 5">
+            <a:extLst>
+              <a:ext uri="{FF2B5EF4-FFF2-40B4-BE49-F238E27FC236}">
+                <a16:creationId xmlns:a16="http://schemas.microsoft.com/office/drawing/2014/main" id="{0CE3250C-BD93-456D-8942-7F450B079676}"/>
               </a:ext>
             </a:extLst>
           </p:cNvPr>
@@ -4656,189 +4979,250 @@
         </p:nvSpPr>
         <p:spPr>
           <a:xfrm>
-            <a:off x="2490367" y="2505670"/>
-            <a:ext cx="9249104" cy="1477328"/>
-          </a:xfrm>
-          <a:prstGeom prst="rect">
-            <a:avLst/>
-          </a:prstGeom>
-        </p:spPr>
-        <p:txBody>
-          <a:bodyPr wrap="square">
+            <a:off x="1559587" y="935334"/>
+            <a:ext cx="1415772" cy="461665"/>
+          </a:xfrm>
+          <a:prstGeom prst="rect">
+            <a:avLst/>
+          </a:prstGeom>
+        </p:spPr>
+        <p:txBody>
+          <a:bodyPr wrap="none">
             <a:spAutoFit/>
           </a:bodyPr>
           <a:lstStyle/>
           <a:p>
-            <a:pPr algn="just"/>
             <a:r>
-              <a:rPr lang="en-US" altLang="zh-CN" sz="2400" kern="100" dirty="0">
-                <a:effectLst/>
-                <a:latin typeface="Calibri" panose="020F0502020204030204" pitchFamily="34" charset="0"/>
-                <a:ea typeface="宋体" panose="02010600030101010101" pitchFamily="2" charset="-122"/>
-                <a:cs typeface="Times New Roman" panose="02020603050405020304" pitchFamily="18" charset="0"/>
+              <a:rPr lang="zh-CN" altLang="en-US" sz="2400" b="1" dirty="0">
+                <a:solidFill>
+                  <a:schemeClr val="tx1">
+                    <a:lumMod val="75000"/>
+                    <a:lumOff val="25000"/>
+                  </a:schemeClr>
+                </a:solidFill>
               </a:rPr>
-              <a:t>[1] </a:t>
+              <a:t>注册模块</a:t>
             </a:r>
-            <a:r>
-              <a:rPr lang="zh-CN" altLang="zh-CN" sz="2400" kern="100" dirty="0">
-                <a:effectLst/>
-                <a:latin typeface="Calibri" panose="020F0502020204030204" pitchFamily="34" charset="0"/>
-                <a:ea typeface="宋体" panose="02010600030101010101" pitchFamily="2" charset="-122"/>
-                <a:cs typeface="Times New Roman" panose="02020603050405020304" pitchFamily="18" charset="0"/>
-              </a:rPr>
-              <a:t>张海藩</a:t>
-            </a:r>
-            <a:r>
-              <a:rPr lang="en-US" altLang="zh-CN" sz="2400" kern="100" dirty="0">
-                <a:effectLst/>
-                <a:latin typeface="Calibri" panose="020F0502020204030204" pitchFamily="34" charset="0"/>
-                <a:ea typeface="宋体" panose="02010600030101010101" pitchFamily="2" charset="-122"/>
-                <a:cs typeface="Times New Roman" panose="02020603050405020304" pitchFamily="18" charset="0"/>
-              </a:rPr>
-              <a:t>,</a:t>
-            </a:r>
-            <a:r>
-              <a:rPr lang="zh-CN" altLang="zh-CN" sz="2400" kern="100" dirty="0">
-                <a:effectLst/>
-                <a:latin typeface="Calibri" panose="020F0502020204030204" pitchFamily="34" charset="0"/>
-                <a:ea typeface="宋体" panose="02010600030101010101" pitchFamily="2" charset="-122"/>
-                <a:cs typeface="Times New Roman" panose="02020603050405020304" pitchFamily="18" charset="0"/>
-              </a:rPr>
-              <a:t>牟永敏</a:t>
-            </a:r>
-            <a:r>
-              <a:rPr lang="en-US" altLang="zh-CN" sz="2400" kern="100" dirty="0">
-                <a:effectLst/>
-                <a:latin typeface="Calibri" panose="020F0502020204030204" pitchFamily="34" charset="0"/>
-                <a:ea typeface="宋体" panose="02010600030101010101" pitchFamily="2" charset="-122"/>
-                <a:cs typeface="Times New Roman" panose="02020603050405020304" pitchFamily="18" charset="0"/>
-              </a:rPr>
-              <a:t>.</a:t>
-            </a:r>
-            <a:r>
-              <a:rPr lang="zh-CN" altLang="zh-CN" sz="2400" kern="100" dirty="0">
-                <a:effectLst/>
-                <a:latin typeface="Calibri" panose="020F0502020204030204" pitchFamily="34" charset="0"/>
-                <a:ea typeface="宋体" panose="02010600030101010101" pitchFamily="2" charset="-122"/>
-                <a:cs typeface="Times New Roman" panose="02020603050405020304" pitchFamily="18" charset="0"/>
-              </a:rPr>
-              <a:t>软件工程导论（第六版） </a:t>
-            </a:r>
-          </a:p>
-          <a:p>
-            <a:pPr algn="just"/>
-            <a:r>
-              <a:rPr lang="en-US" altLang="zh-CN" sz="2400" kern="100" dirty="0">
-                <a:effectLst/>
-                <a:latin typeface="Calibri" panose="020F0502020204030204" pitchFamily="34" charset="0"/>
-                <a:ea typeface="宋体" panose="02010600030101010101" pitchFamily="2" charset="-122"/>
-                <a:cs typeface="Times New Roman" panose="02020603050405020304" pitchFamily="18" charset="0"/>
-              </a:rPr>
-              <a:t>[2] </a:t>
-            </a:r>
-            <a:endParaRPr lang="en-US" altLang="zh-CN" sz="2400" kern="100" dirty="0">
-              <a:latin typeface="Calibri" panose="020F0502020204030204" pitchFamily="34" charset="0"/>
-              <a:ea typeface="宋体" panose="02010600030101010101" pitchFamily="2" charset="-122"/>
-              <a:cs typeface="Times New Roman" panose="02020603050405020304" pitchFamily="18" charset="0"/>
-            </a:endParaRPr>
-          </a:p>
-          <a:p>
-            <a:pPr algn="just"/>
-            <a:r>
-              <a:rPr lang="en-US" altLang="zh-CN" sz="2400" kern="100" dirty="0">
-                <a:effectLst/>
-                <a:latin typeface="Calibri" panose="020F0502020204030204" pitchFamily="34" charset="0"/>
-                <a:ea typeface="宋体" panose="02010600030101010101" pitchFamily="2" charset="-122"/>
-                <a:cs typeface="Times New Roman" panose="02020603050405020304" pitchFamily="18" charset="0"/>
-              </a:rPr>
-              <a:t>[</a:t>
-            </a:r>
-            <a:r>
-              <a:rPr lang="en-US" altLang="zh-CN" sz="2400" kern="100" dirty="0">
-                <a:latin typeface="Calibri" panose="020F0502020204030204" pitchFamily="34" charset="0"/>
-                <a:ea typeface="宋体" panose="02010600030101010101" pitchFamily="2" charset="-122"/>
-                <a:cs typeface="Times New Roman" panose="02020603050405020304" pitchFamily="18" charset="0"/>
-              </a:rPr>
-              <a:t>3</a:t>
-            </a:r>
-            <a:r>
-              <a:rPr lang="en-US" altLang="zh-CN" sz="2400" kern="100" dirty="0">
-                <a:effectLst/>
-                <a:latin typeface="Calibri" panose="020F0502020204030204" pitchFamily="34" charset="0"/>
-                <a:ea typeface="宋体" panose="02010600030101010101" pitchFamily="2" charset="-122"/>
-                <a:cs typeface="Times New Roman" panose="02020603050405020304" pitchFamily="18" charset="0"/>
-              </a:rPr>
-              <a:t>] </a:t>
-            </a:r>
-            <a:r>
-              <a:rPr lang="zh-CN" altLang="zh-CN" sz="2400" kern="100" dirty="0">
-                <a:effectLst/>
-                <a:latin typeface="Calibri" panose="020F0502020204030204" pitchFamily="34" charset="0"/>
-                <a:ea typeface="宋体" panose="02010600030101010101" pitchFamily="2" charset="-122"/>
-                <a:cs typeface="Times New Roman" panose="02020603050405020304" pitchFamily="18" charset="0"/>
-              </a:rPr>
-              <a:t>前期</a:t>
-            </a:r>
-            <a:r>
-              <a:rPr lang="zh-CN" altLang="en-US" sz="2400" kern="100" dirty="0">
-                <a:effectLst/>
-                <a:latin typeface="Calibri" panose="020F0502020204030204" pitchFamily="34" charset="0"/>
-                <a:ea typeface="宋体" panose="02010600030101010101" pitchFamily="2" charset="-122"/>
-                <a:cs typeface="Times New Roman" panose="02020603050405020304" pitchFamily="18" charset="0"/>
-              </a:rPr>
-              <a:t>本组</a:t>
-            </a:r>
-            <a:r>
-              <a:rPr lang="zh-CN" altLang="zh-CN" sz="2400" kern="100" dirty="0">
-                <a:effectLst/>
-                <a:latin typeface="Calibri" panose="020F0502020204030204" pitchFamily="34" charset="0"/>
-                <a:ea typeface="宋体" panose="02010600030101010101" pitchFamily="2" charset="-122"/>
-                <a:cs typeface="Times New Roman" panose="02020603050405020304" pitchFamily="18" charset="0"/>
-              </a:rPr>
-              <a:t>开发文档</a:t>
-            </a:r>
-          </a:p>
-          <a:p>
-            <a:endParaRPr lang="en-US" altLang="zh-CN" dirty="0"/>
-          </a:p>
-        </p:txBody>
-      </p:sp>
-      <p:sp>
-        <p:nvSpPr>
-          <p:cNvPr id="3" name="文本框 2">
-            <a:extLst>
-              <a:ext uri="{FF2B5EF4-FFF2-40B4-BE49-F238E27FC236}">
-                <a16:creationId xmlns:a16="http://schemas.microsoft.com/office/drawing/2014/main" id="{454E3338-F167-0943-A899-70AA03E31C00}"/>
-              </a:ext>
-            </a:extLst>
-          </p:cNvPr>
-          <p:cNvSpPr txBox="1"/>
-          <p:nvPr/>
-        </p:nvSpPr>
-        <p:spPr>
-          <a:xfrm>
-            <a:off x="3297836" y="7600013"/>
-            <a:ext cx="184731" cy="369332"/>
-          </a:xfrm>
-          <a:prstGeom prst="rect">
-            <a:avLst/>
-          </a:prstGeom>
-          <a:noFill/>
-        </p:spPr>
-        <p:txBody>
-          <a:bodyPr wrap="none" rtlCol="0">
+          </a:p>
+        </p:txBody>
+      </p:sp>
+      <p:pic>
+        <p:nvPicPr>
+          <p:cNvPr id="7" name="图片 6">
+            <a:extLst>
+              <a:ext uri="{FF2B5EF4-FFF2-40B4-BE49-F238E27FC236}">
+                <a16:creationId xmlns:a16="http://schemas.microsoft.com/office/drawing/2014/main" id="{0F01B8BB-616A-4D37-ABD8-E6C0D1CBAF81}"/>
+              </a:ext>
+            </a:extLst>
+          </p:cNvPr>
+          <p:cNvPicPr>
+            <a:picLocks noChangeAspect="1"/>
+          </p:cNvPicPr>
+          <p:nvPr/>
+        </p:nvPicPr>
+        <p:blipFill>
+          <a:blip r:embed="rId4"/>
+          <a:stretch>
+            <a:fillRect/>
+          </a:stretch>
+        </p:blipFill>
+        <p:spPr>
+          <a:xfrm>
+            <a:off x="4415016" y="1396999"/>
+            <a:ext cx="2067705" cy="3899638"/>
+          </a:xfrm>
+          <a:prstGeom prst="rect">
+            <a:avLst/>
+          </a:prstGeom>
+        </p:spPr>
+      </p:pic>
+      <p:sp>
+        <p:nvSpPr>
+          <p:cNvPr id="8" name="矩形 7">
+            <a:extLst>
+              <a:ext uri="{FF2B5EF4-FFF2-40B4-BE49-F238E27FC236}">
+                <a16:creationId xmlns:a16="http://schemas.microsoft.com/office/drawing/2014/main" id="{82976118-E2C5-47AC-A09F-7877982ACA2D}"/>
+              </a:ext>
+            </a:extLst>
+          </p:cNvPr>
+          <p:cNvSpPr/>
+          <p:nvPr/>
+        </p:nvSpPr>
+        <p:spPr>
+          <a:xfrm>
+            <a:off x="4652417" y="935333"/>
+            <a:ext cx="1415772" cy="461665"/>
+          </a:xfrm>
+          <a:prstGeom prst="rect">
+            <a:avLst/>
+          </a:prstGeom>
+        </p:spPr>
+        <p:txBody>
+          <a:bodyPr wrap="none">
             <a:spAutoFit/>
           </a:bodyPr>
           <a:lstStyle/>
           <a:p>
-            <a:endParaRPr kumimoji="1" lang="zh-CN" altLang="en-US"/>
+            <a:r>
+              <a:rPr lang="zh-CN" altLang="en-US" sz="2400" b="1" dirty="0">
+                <a:solidFill>
+                  <a:schemeClr val="tx1">
+                    <a:lumMod val="75000"/>
+                    <a:lumOff val="25000"/>
+                  </a:schemeClr>
+                </a:solidFill>
+              </a:rPr>
+              <a:t>登录模块</a:t>
+            </a:r>
+          </a:p>
+        </p:txBody>
+      </p:sp>
+      <p:pic>
+        <p:nvPicPr>
+          <p:cNvPr id="9" name="图片 8">
+            <a:extLst>
+              <a:ext uri="{FF2B5EF4-FFF2-40B4-BE49-F238E27FC236}">
+                <a16:creationId xmlns:a16="http://schemas.microsoft.com/office/drawing/2014/main" id="{9D745649-1ED0-472B-B1EB-E36996A50E7E}"/>
+              </a:ext>
+            </a:extLst>
+          </p:cNvPr>
+          <p:cNvPicPr>
+            <a:picLocks noChangeAspect="1"/>
+          </p:cNvPicPr>
+          <p:nvPr/>
+        </p:nvPicPr>
+        <p:blipFill>
+          <a:blip r:embed="rId5"/>
+          <a:stretch>
+            <a:fillRect/>
+          </a:stretch>
+        </p:blipFill>
+        <p:spPr>
+          <a:xfrm>
+            <a:off x="9498086" y="1396997"/>
+            <a:ext cx="2268654" cy="5227806"/>
+          </a:xfrm>
+          <a:prstGeom prst="rect">
+            <a:avLst/>
+          </a:prstGeom>
+        </p:spPr>
+      </p:pic>
+      <p:sp>
+        <p:nvSpPr>
+          <p:cNvPr id="10" name="矩形 9">
+            <a:extLst>
+              <a:ext uri="{FF2B5EF4-FFF2-40B4-BE49-F238E27FC236}">
+                <a16:creationId xmlns:a16="http://schemas.microsoft.com/office/drawing/2014/main" id="{671BD353-91BE-4BF8-B2F4-FB636A3AF56D}"/>
+              </a:ext>
+            </a:extLst>
+          </p:cNvPr>
+          <p:cNvSpPr/>
+          <p:nvPr/>
+        </p:nvSpPr>
+        <p:spPr>
+          <a:xfrm>
+            <a:off x="9498086" y="935332"/>
+            <a:ext cx="2031325" cy="461665"/>
+          </a:xfrm>
+          <a:prstGeom prst="rect">
+            <a:avLst/>
+          </a:prstGeom>
+        </p:spPr>
+        <p:txBody>
+          <a:bodyPr wrap="none">
+            <a:spAutoFit/>
+          </a:bodyPr>
+          <a:lstStyle/>
+          <a:p>
+            <a:r>
+              <a:rPr lang="zh-CN" altLang="en-US" sz="2400" b="1" dirty="0">
+                <a:solidFill>
+                  <a:schemeClr val="tx1">
+                    <a:lumMod val="75000"/>
+                    <a:lumOff val="25000"/>
+                  </a:schemeClr>
+                </a:solidFill>
+              </a:rPr>
+              <a:t>课程提醒模块</a:t>
+            </a:r>
+          </a:p>
+        </p:txBody>
+      </p:sp>
+      <p:pic>
+        <p:nvPicPr>
+          <p:cNvPr id="11" name="图片 10">
+            <a:extLst>
+              <a:ext uri="{FF2B5EF4-FFF2-40B4-BE49-F238E27FC236}">
+                <a16:creationId xmlns:a16="http://schemas.microsoft.com/office/drawing/2014/main" id="{04CCB54C-460A-4375-ABDD-FF0CD8225727}"/>
+              </a:ext>
+            </a:extLst>
+          </p:cNvPr>
+          <p:cNvPicPr>
+            <a:picLocks noChangeAspect="1"/>
+          </p:cNvPicPr>
+          <p:nvPr/>
+        </p:nvPicPr>
+        <p:blipFill>
+          <a:blip r:embed="rId6"/>
+          <a:stretch>
+            <a:fillRect/>
+          </a:stretch>
+        </p:blipFill>
+        <p:spPr>
+          <a:xfrm>
+            <a:off x="6830266" y="1396997"/>
+            <a:ext cx="2320274" cy="3694548"/>
+          </a:xfrm>
+          <a:prstGeom prst="rect">
+            <a:avLst/>
+          </a:prstGeom>
+        </p:spPr>
+      </p:pic>
+      <p:sp>
+        <p:nvSpPr>
+          <p:cNvPr id="12" name="矩形 11">
+            <a:extLst>
+              <a:ext uri="{FF2B5EF4-FFF2-40B4-BE49-F238E27FC236}">
+                <a16:creationId xmlns:a16="http://schemas.microsoft.com/office/drawing/2014/main" id="{B2232A0F-CCAD-4D41-8D70-EE72E4B26BC9}"/>
+              </a:ext>
+            </a:extLst>
+          </p:cNvPr>
+          <p:cNvSpPr/>
+          <p:nvPr/>
+        </p:nvSpPr>
+        <p:spPr>
+          <a:xfrm>
+            <a:off x="6677435" y="935331"/>
+            <a:ext cx="2646878" cy="461665"/>
+          </a:xfrm>
+          <a:prstGeom prst="rect">
+            <a:avLst/>
+          </a:prstGeom>
+        </p:spPr>
+        <p:txBody>
+          <a:bodyPr wrap="none">
+            <a:spAutoFit/>
+          </a:bodyPr>
+          <a:lstStyle/>
+          <a:p>
+            <a:r>
+              <a:rPr lang="zh-CN" altLang="en-US" sz="2400" b="1" dirty="0">
+                <a:solidFill>
+                  <a:schemeClr val="tx1">
+                    <a:lumMod val="75000"/>
+                    <a:lumOff val="25000"/>
+                  </a:schemeClr>
+                </a:solidFill>
+              </a:rPr>
+              <a:t>添加个人任务模块</a:t>
+            </a:r>
           </a:p>
         </p:txBody>
       </p:sp>
     </p:spTree>
     <p:extLst>
       <p:ext uri="{BB962C8B-B14F-4D97-AF65-F5344CB8AC3E}">
-        <p14:creationId xmlns:p14="http://schemas.microsoft.com/office/powerpoint/2010/main" val="526268763"/>
+        <p14:creationId xmlns:p14="http://schemas.microsoft.com/office/powerpoint/2010/main" val="1754308760"/>
       </p:ext>
     </p:extLst>
   </p:cSld>
@@ -5368,4 +5752,47 @@
     </a:ext>
   </a:extLst>
 </a:theme>
+</file>
+
+<file path=ppt/theme/themeOverride1.xml><?xml version="1.0" encoding="utf-8"?>
+<a:themeOverride xmlns:a="http://schemas.openxmlformats.org/drawingml/2006/main">
+  <a:clrScheme name="Office">
+    <a:dk1>
+      <a:sysClr val="windowText" lastClr="000000"/>
+    </a:dk1>
+    <a:lt1>
+      <a:sysClr val="window" lastClr="FFFFFF"/>
+    </a:lt1>
+    <a:dk2>
+      <a:srgbClr val="44546A"/>
+    </a:dk2>
+    <a:lt2>
+      <a:srgbClr val="E7E6E6"/>
+    </a:lt2>
+    <a:accent1>
+      <a:srgbClr val="5B9BD5"/>
+    </a:accent1>
+    <a:accent2>
+      <a:srgbClr val="ED7D31"/>
+    </a:accent2>
+    <a:accent3>
+      <a:srgbClr val="A5A5A5"/>
+    </a:accent3>
+    <a:accent4>
+      <a:srgbClr val="FFC000"/>
+    </a:accent4>
+    <a:accent5>
+      <a:srgbClr val="4472C4"/>
+    </a:accent5>
+    <a:accent6>
+      <a:srgbClr val="70AD47"/>
+    </a:accent6>
+    <a:hlink>
+      <a:srgbClr val="0563C1"/>
+    </a:hlink>
+    <a:folHlink>
+      <a:srgbClr val="954F72"/>
+    </a:folHlink>
+  </a:clrScheme>
+</a:themeOverride>
 </file>
--- a/项目文档/文档与ppt/G10详细设计PPT.pptx
+++ b/项目文档/文档与ppt/G10详细设计PPT.pptx
@@ -19,23 +19,16 @@
     <p:sldId id="469" r:id="rId10"/>
     <p:sldId id="468" r:id="rId11"/>
     <p:sldId id="467" r:id="rId12"/>
-    <p:sldId id="463" r:id="rId13"/>
+    <p:sldId id="473" r:id="rId13"/>
     <p:sldId id="320" r:id="rId14"/>
   </p:sldIdLst>
   <p:sldSz cx="12192000" cy="6858000"/>
   <p:notesSz cx="6858000" cy="9144000"/>
   <p:embeddedFontLst>
     <p:embeddedFont>
-      <p:font typeface="Calibri" panose="020F0502020204030204" pitchFamily="34" charset="0"/>
+      <p:font typeface="等线" panose="02010600030101010101" pitchFamily="2" charset="-122"/>
       <p:regular r:id="rId16"/>
       <p:bold r:id="rId17"/>
-      <p:italic r:id="rId18"/>
-      <p:boldItalic r:id="rId19"/>
-    </p:embeddedFont>
-    <p:embeddedFont>
-      <p:font typeface="等线" panose="02010600030101010101" pitchFamily="2" charset="-122"/>
-      <p:regular r:id="rId20"/>
-      <p:bold r:id="rId21"/>
     </p:embeddedFont>
   </p:embeddedFontLst>
   <p:defaultTextStyle>
@@ -234,7 +227,7 @@
           <a:p>
             <a:fld id="{A109EA2A-4C48-4C61-B30A-DAB1A3E93B21}" type="datetimeFigureOut">
               <a:rPr lang="zh-CN" altLang="en-US" smtClean="0"/>
-              <a:t>2021/11/17</a:t>
+              <a:t>2021/12/15</a:t>
             </a:fld>
             <a:endParaRPr lang="zh-CN" altLang="en-US"/>
           </a:p>
@@ -1163,7 +1156,7 @@
     </p:spTree>
     <p:extLst>
       <p:ext uri="{BB962C8B-B14F-4D97-AF65-F5344CB8AC3E}">
-        <p14:creationId xmlns:p14="http://schemas.microsoft.com/office/powerpoint/2010/main" val="3237556270"/>
+        <p14:creationId xmlns:p14="http://schemas.microsoft.com/office/powerpoint/2010/main" val="702015921"/>
       </p:ext>
     </p:extLst>
   </p:cSld>
@@ -1750,7 +1743,7 @@
         </p:nvSpPr>
         <p:spPr>
           <a:xfrm>
-            <a:off x="0" y="0"/>
+            <a:off x="-518359" y="13536"/>
             <a:ext cx="10747169" cy="5839658"/>
           </a:xfrm>
           <a:custGeom>
@@ -2416,202 +2409,6 @@
       </p:grpSpPr>
       <p:sp>
         <p:nvSpPr>
-          <p:cNvPr id="20" name="矩形 19"/>
-          <p:cNvSpPr/>
-          <p:nvPr/>
-        </p:nvSpPr>
-        <p:spPr>
-          <a:xfrm>
-            <a:off x="4680228" y="879225"/>
-            <a:ext cx="1415772" cy="461665"/>
-          </a:xfrm>
-          <a:prstGeom prst="rect">
-            <a:avLst/>
-          </a:prstGeom>
-        </p:spPr>
-        <p:txBody>
-          <a:bodyPr wrap="none">
-            <a:spAutoFit/>
-          </a:bodyPr>
-          <a:lstStyle/>
-          <a:p>
-            <a:r>
-              <a:rPr lang="zh-CN" altLang="en-US" sz="2400" b="1" dirty="0">
-                <a:solidFill>
-                  <a:schemeClr val="tx1">
-                    <a:lumMod val="75000"/>
-                    <a:lumOff val="25000"/>
-                  </a:schemeClr>
-                </a:solidFill>
-              </a:rPr>
-              <a:t>参考文献</a:t>
-            </a:r>
-          </a:p>
-        </p:txBody>
-      </p:sp>
-      <p:sp>
-        <p:nvSpPr>
-          <p:cNvPr id="2" name="矩形 1">
-            <a:extLst>
-              <a:ext uri="{FF2B5EF4-FFF2-40B4-BE49-F238E27FC236}">
-                <a16:creationId xmlns:a16="http://schemas.microsoft.com/office/drawing/2014/main" id="{D8A01203-75A6-9A42-890B-B364B2A1AAE4}"/>
-              </a:ext>
-            </a:extLst>
-          </p:cNvPr>
-          <p:cNvSpPr/>
-          <p:nvPr/>
-        </p:nvSpPr>
-        <p:spPr>
-          <a:xfrm>
-            <a:off x="2490367" y="2505670"/>
-            <a:ext cx="9249104" cy="1477328"/>
-          </a:xfrm>
-          <a:prstGeom prst="rect">
-            <a:avLst/>
-          </a:prstGeom>
-        </p:spPr>
-        <p:txBody>
-          <a:bodyPr wrap="square">
-            <a:spAutoFit/>
-          </a:bodyPr>
-          <a:lstStyle/>
-          <a:p>
-            <a:pPr algn="just"/>
-            <a:r>
-              <a:rPr lang="en-US" altLang="zh-CN" sz="2400" kern="100" dirty="0">
-                <a:effectLst/>
-                <a:latin typeface="Calibri" panose="020F0502020204030204" pitchFamily="34" charset="0"/>
-                <a:ea typeface="宋体" panose="02010600030101010101" pitchFamily="2" charset="-122"/>
-                <a:cs typeface="Times New Roman" panose="02020603050405020304" pitchFamily="18" charset="0"/>
-              </a:rPr>
-              <a:t>[1] </a:t>
-            </a:r>
-            <a:r>
-              <a:rPr lang="zh-CN" altLang="zh-CN" sz="2400" kern="100" dirty="0">
-                <a:effectLst/>
-                <a:latin typeface="Calibri" panose="020F0502020204030204" pitchFamily="34" charset="0"/>
-                <a:ea typeface="宋体" panose="02010600030101010101" pitchFamily="2" charset="-122"/>
-                <a:cs typeface="Times New Roman" panose="02020603050405020304" pitchFamily="18" charset="0"/>
-              </a:rPr>
-              <a:t>张海藩</a:t>
-            </a:r>
-            <a:r>
-              <a:rPr lang="en-US" altLang="zh-CN" sz="2400" kern="100" dirty="0">
-                <a:effectLst/>
-                <a:latin typeface="Calibri" panose="020F0502020204030204" pitchFamily="34" charset="0"/>
-                <a:ea typeface="宋体" panose="02010600030101010101" pitchFamily="2" charset="-122"/>
-                <a:cs typeface="Times New Roman" panose="02020603050405020304" pitchFamily="18" charset="0"/>
-              </a:rPr>
-              <a:t>,</a:t>
-            </a:r>
-            <a:r>
-              <a:rPr lang="zh-CN" altLang="zh-CN" sz="2400" kern="100" dirty="0">
-                <a:effectLst/>
-                <a:latin typeface="Calibri" panose="020F0502020204030204" pitchFamily="34" charset="0"/>
-                <a:ea typeface="宋体" panose="02010600030101010101" pitchFamily="2" charset="-122"/>
-                <a:cs typeface="Times New Roman" panose="02020603050405020304" pitchFamily="18" charset="0"/>
-              </a:rPr>
-              <a:t>牟永敏</a:t>
-            </a:r>
-            <a:r>
-              <a:rPr lang="en-US" altLang="zh-CN" sz="2400" kern="100" dirty="0">
-                <a:effectLst/>
-                <a:latin typeface="Calibri" panose="020F0502020204030204" pitchFamily="34" charset="0"/>
-                <a:ea typeface="宋体" panose="02010600030101010101" pitchFamily="2" charset="-122"/>
-                <a:cs typeface="Times New Roman" panose="02020603050405020304" pitchFamily="18" charset="0"/>
-              </a:rPr>
-              <a:t>.</a:t>
-            </a:r>
-            <a:r>
-              <a:rPr lang="zh-CN" altLang="zh-CN" sz="2400" kern="100" dirty="0">
-                <a:effectLst/>
-                <a:latin typeface="Calibri" panose="020F0502020204030204" pitchFamily="34" charset="0"/>
-                <a:ea typeface="宋体" panose="02010600030101010101" pitchFamily="2" charset="-122"/>
-                <a:cs typeface="Times New Roman" panose="02020603050405020304" pitchFamily="18" charset="0"/>
-              </a:rPr>
-              <a:t>软件工程导论（第六版） </a:t>
-            </a:r>
-          </a:p>
-          <a:p>
-            <a:pPr algn="just"/>
-            <a:r>
-              <a:rPr lang="en-US" altLang="zh-CN" sz="2400" kern="100" dirty="0">
-                <a:effectLst/>
-                <a:latin typeface="Calibri" panose="020F0502020204030204" pitchFamily="34" charset="0"/>
-                <a:ea typeface="宋体" panose="02010600030101010101" pitchFamily="2" charset="-122"/>
-                <a:cs typeface="Times New Roman" panose="02020603050405020304" pitchFamily="18" charset="0"/>
-              </a:rPr>
-              <a:t>[2] </a:t>
-            </a:r>
-            <a:endParaRPr lang="en-US" altLang="zh-CN" sz="2400" kern="100" dirty="0">
-              <a:latin typeface="Calibri" panose="020F0502020204030204" pitchFamily="34" charset="0"/>
-              <a:ea typeface="宋体" panose="02010600030101010101" pitchFamily="2" charset="-122"/>
-              <a:cs typeface="Times New Roman" panose="02020603050405020304" pitchFamily="18" charset="0"/>
-            </a:endParaRPr>
-          </a:p>
-          <a:p>
-            <a:pPr algn="just"/>
-            <a:r>
-              <a:rPr lang="en-US" altLang="zh-CN" sz="2400" kern="100" dirty="0">
-                <a:effectLst/>
-                <a:latin typeface="Calibri" panose="020F0502020204030204" pitchFamily="34" charset="0"/>
-                <a:ea typeface="宋体" panose="02010600030101010101" pitchFamily="2" charset="-122"/>
-                <a:cs typeface="Times New Roman" panose="02020603050405020304" pitchFamily="18" charset="0"/>
-              </a:rPr>
-              <a:t>[</a:t>
-            </a:r>
-            <a:r>
-              <a:rPr lang="en-US" altLang="zh-CN" sz="2400" kern="100" dirty="0">
-                <a:latin typeface="Calibri" panose="020F0502020204030204" pitchFamily="34" charset="0"/>
-                <a:ea typeface="宋体" panose="02010600030101010101" pitchFamily="2" charset="-122"/>
-                <a:cs typeface="Times New Roman" panose="02020603050405020304" pitchFamily="18" charset="0"/>
-              </a:rPr>
-              <a:t>3</a:t>
-            </a:r>
-            <a:r>
-              <a:rPr lang="en-US" altLang="zh-CN" sz="2400" kern="100" dirty="0">
-                <a:effectLst/>
-                <a:latin typeface="Calibri" panose="020F0502020204030204" pitchFamily="34" charset="0"/>
-                <a:ea typeface="宋体" panose="02010600030101010101" pitchFamily="2" charset="-122"/>
-                <a:cs typeface="Times New Roman" panose="02020603050405020304" pitchFamily="18" charset="0"/>
-              </a:rPr>
-              <a:t>] </a:t>
-            </a:r>
-            <a:r>
-              <a:rPr lang="zh-CN" altLang="zh-CN" sz="2400" kern="100" dirty="0">
-                <a:effectLst/>
-                <a:latin typeface="Calibri" panose="020F0502020204030204" pitchFamily="34" charset="0"/>
-                <a:ea typeface="宋体" panose="02010600030101010101" pitchFamily="2" charset="-122"/>
-                <a:cs typeface="Times New Roman" panose="02020603050405020304" pitchFamily="18" charset="0"/>
-              </a:rPr>
-              <a:t>前期</a:t>
-            </a:r>
-            <a:r>
-              <a:rPr lang="zh-CN" altLang="en-US" sz="2400" kern="100" dirty="0">
-                <a:effectLst/>
-                <a:latin typeface="Calibri" panose="020F0502020204030204" pitchFamily="34" charset="0"/>
-                <a:ea typeface="宋体" panose="02010600030101010101" pitchFamily="2" charset="-122"/>
-                <a:cs typeface="Times New Roman" panose="02020603050405020304" pitchFamily="18" charset="0"/>
-              </a:rPr>
-              <a:t>本组</a:t>
-            </a:r>
-            <a:r>
-              <a:rPr lang="zh-CN" altLang="zh-CN" sz="2400" kern="100" dirty="0">
-                <a:effectLst/>
-                <a:latin typeface="Calibri" panose="020F0502020204030204" pitchFamily="34" charset="0"/>
-                <a:ea typeface="宋体" panose="02010600030101010101" pitchFamily="2" charset="-122"/>
-                <a:cs typeface="Times New Roman" panose="02020603050405020304" pitchFamily="18" charset="0"/>
-              </a:rPr>
-              <a:t>开发文档</a:t>
-            </a:r>
-          </a:p>
-          <a:p>
-            <a:endParaRPr lang="en-US" altLang="zh-CN" dirty="0"/>
-          </a:p>
-        </p:txBody>
-      </p:sp>
-      <p:sp>
-        <p:nvSpPr>
           <p:cNvPr id="3" name="文本框 2">
             <a:extLst>
               <a:ext uri="{FF2B5EF4-FFF2-40B4-BE49-F238E27FC236}">
@@ -2645,7 +2442,7 @@
     </p:spTree>
     <p:extLst>
       <p:ext uri="{BB962C8B-B14F-4D97-AF65-F5344CB8AC3E}">
-        <p14:creationId xmlns:p14="http://schemas.microsoft.com/office/powerpoint/2010/main" val="526268763"/>
+        <p14:creationId xmlns:p14="http://schemas.microsoft.com/office/powerpoint/2010/main" val="70954146"/>
       </p:ext>
     </p:extLst>
   </p:cSld>
